--- a/PRESENTATION_BACKEND.pptx
+++ b/PRESENTATION_BACKEND.pptx
@@ -4,27 +4,29 @@
   <p:sldMasterIdLst>
     <p:sldMasterId id="2147483648" r:id="rId1"/>
   </p:sldMasterIdLst>
+  <p:notesMasterIdLst>
+    <p:notesMasterId r:id="rId20"/>
+  </p:notesMasterIdLst>
   <p:sldIdLst>
-    <p:sldId id="256" r:id="rId2"/>
-    <p:sldId id="257" r:id="rId3"/>
-    <p:sldId id="258" r:id="rId4"/>
-    <p:sldId id="259" r:id="rId5"/>
-    <p:sldId id="260" r:id="rId6"/>
-    <p:sldId id="261" r:id="rId7"/>
-    <p:sldId id="262" r:id="rId8"/>
-    <p:sldId id="263" r:id="rId9"/>
-    <p:sldId id="264" r:id="rId10"/>
-    <p:sldId id="265" r:id="rId11"/>
-    <p:sldId id="266" r:id="rId12"/>
-    <p:sldId id="267" r:id="rId13"/>
-    <p:sldId id="268" r:id="rId14"/>
-    <p:sldId id="269" r:id="rId15"/>
-    <p:sldId id="270" r:id="rId16"/>
-    <p:sldId id="271" r:id="rId17"/>
+    <p:sldId id="273" r:id="rId2"/>
+    <p:sldId id="256" r:id="rId3"/>
+    <p:sldId id="257" r:id="rId4"/>
+    <p:sldId id="258" r:id="rId5"/>
+    <p:sldId id="259" r:id="rId6"/>
+    <p:sldId id="260" r:id="rId7"/>
+    <p:sldId id="261" r:id="rId8"/>
+    <p:sldId id="262" r:id="rId9"/>
+    <p:sldId id="263" r:id="rId10"/>
+    <p:sldId id="264" r:id="rId11"/>
+    <p:sldId id="265" r:id="rId12"/>
+    <p:sldId id="266" r:id="rId13"/>
+    <p:sldId id="267" r:id="rId14"/>
+    <p:sldId id="268" r:id="rId15"/>
+    <p:sldId id="269" r:id="rId16"/>
+    <p:sldId id="270" r:id="rId17"/>
+    <p:sldId id="271" r:id="rId18"/>
+    <p:sldId id="272" r:id="rId19"/>
   </p:sldIdLst>
-  <p:notesMasterIdLst>
-    <p:notesMasterId r:id="rId18"/>
-  </p:notesMasterIdLst>
   <p:sldSz cx="12192000" cy="6858000"/>
   <p:notesSz cx="6858000" cy="12192000"/>
   <p:defaultTextStyle>
@@ -119,6 +121,11 @@
       </a:defRPr>
     </a:lvl9pPr>
   </p:defaultTextStyle>
+  <p:extLst>
+    <p:ext uri="{EFAFB233-063F-42B5-8137-9DF3F51BA10A}">
+      <p15:sldGuideLst xmlns:p15="http://schemas.microsoft.com/office/powerpoint/2012/main"/>
+    </p:ext>
+  </p:extLst>
 </p:presentation>
 </file>
 
@@ -144,234 +151,10 @@
           <a:chExt cx="0" cy="0"/>
         </a:xfrm>
       </p:grpSpPr>
-      <p:sp>
-        <p:nvSpPr>
-          <p:cNvPr id="2" name="Header Placeholder 1"/>
-          <p:cNvSpPr>
-            <a:spLocks noGrp="1"/>
-          </p:cNvSpPr>
-          <p:nvPr>
-            <p:ph type="hdr" sz="quarter"/>
-          </p:nvPr>
-        </p:nvSpPr>
-        <p:spPr>
-          <a:xfrm>
-            <a:off x="0" y="0"/>
-            <a:ext cx="2971800" cy="458788"/>
-          </a:xfrm>
-          <a:prstGeom prst="rect">
-            <a:avLst/>
-          </a:prstGeom>
-        </p:spPr>
-        <p:txBody>
-          <a:bodyPr vert="horz" lIns="91440" tIns="45720" rIns="91440" bIns="45720" rtlCol="0"/>
-          <a:lstStyle>
-            <a:lvl1pPr algn="l">
-              <a:defRPr sz="1200"/>
-            </a:lvl1pPr>
-          </a:lstStyle>
-          <a:p>
-            <a:endParaRPr lang="en-US"/>
-          </a:p>
-        </p:txBody>
-      </p:sp>
-      <p:sp>
-        <p:nvSpPr>
-          <p:cNvPr id="3" name="Date Placeholder 2"/>
-          <p:cNvSpPr>
-            <a:spLocks noGrp="1"/>
-          </p:cNvSpPr>
-          <p:nvPr>
-            <p:ph type="dt" idx="1"/>
-          </p:nvPr>
-        </p:nvSpPr>
-        <p:spPr>
-          <a:xfrm>
-            <a:off x="3884613" y="0"/>
-            <a:ext cx="2971800" cy="458788"/>
-          </a:xfrm>
-          <a:prstGeom prst="rect">
-            <a:avLst/>
-          </a:prstGeom>
-        </p:spPr>
-        <p:txBody>
-          <a:bodyPr vert="horz" lIns="91440" tIns="45720" rIns="91440" bIns="45720" rtlCol="0"/>
-          <a:lstStyle>
-            <a:lvl1pPr algn="r">
-              <a:defRPr sz="1200"/>
-            </a:lvl1pPr>
-          </a:lstStyle>
-          <a:p>
-            <a:fld id="{5282F153-3F37-0F45-9E97-73ACFA13230C}" type="datetimeFigureOut">
-              <a:rPr lang="en-US"/>
-              <a:t>7/23/19</a:t>
-            </a:fld>
-            <a:endParaRPr lang="en-US"/>
-          </a:p>
-        </p:txBody>
-      </p:sp>
-      <p:sp>
-        <p:nvSpPr>
-          <p:cNvPr id="4" name="Slide Image Placeholder 3"/>
-          <p:cNvSpPr>
-            <a:spLocks noGrp="1" noRot="1" noChangeAspect="1"/>
-          </p:cNvSpPr>
-          <p:nvPr>
-            <p:ph type="sldImg" idx="2"/>
-          </p:nvPr>
-        </p:nvSpPr>
-        <p:spPr>
-          <a:xfrm>
-            <a:off x="685800" y="1143000"/>
-            <a:ext cx="5486400" cy="3086100"/>
-          </a:xfrm>
-          <a:prstGeom prst="rect">
-            <a:avLst/>
-          </a:prstGeom>
-          <a:noFill/>
-          <a:ln w="12700">
-            <a:solidFill>
-              <a:prstClr val="black"/>
-            </a:solidFill>
-          </a:ln>
-        </p:spPr>
-        <p:txBody>
-          <a:bodyPr vert="horz" lIns="91440" tIns="45720" rIns="91440" bIns="45720" rtlCol="0" anchor="ctr"/>
-          <a:lstStyle/>
-          <a:p>
-            <a:endParaRPr lang="en-US"/>
-          </a:p>
-        </p:txBody>
-      </p:sp>
-      <p:sp>
-        <p:nvSpPr>
-          <p:cNvPr id="5" name="Notes Placeholder 4"/>
-          <p:cNvSpPr>
-            <a:spLocks noGrp="1"/>
-          </p:cNvSpPr>
-          <p:nvPr>
-            <p:ph type="body" sz="quarter" idx="3"/>
-          </p:nvPr>
-        </p:nvSpPr>
-        <p:spPr>
-          <a:xfrm>
-            <a:off x="685800" y="4400550"/>
-            <a:ext cx="5486400" cy="3600450"/>
-          </a:xfrm>
-          <a:prstGeom prst="rect">
-            <a:avLst/>
-          </a:prstGeom>
-        </p:spPr>
-        <p:txBody>
-          <a:bodyPr vert="horz" lIns="91440" tIns="45720" rIns="91440" bIns="45720" rtlCol="0"/>
-          <a:lstStyle/>
-          <a:p>
-            <a:pPr lvl="0"/>
-            <a:r>
-              <a:rPr lang="en-US"/>
-              <a:t>Click to edit Master text styles</a:t>
-            </a:r>
-          </a:p>
-          <a:p>
-            <a:pPr lvl="1"/>
-            <a:r>
-              <a:rPr lang="en-US"/>
-              <a:t>Second level</a:t>
-            </a:r>
-          </a:p>
-          <a:p>
-            <a:pPr lvl="2"/>
-            <a:r>
-              <a:rPr lang="en-US"/>
-              <a:t>Third level</a:t>
-            </a:r>
-          </a:p>
-          <a:p>
-            <a:pPr lvl="3"/>
-            <a:r>
-              <a:rPr lang="en-US"/>
-              <a:t>Fourth level</a:t>
-            </a:r>
-          </a:p>
-          <a:p>
-            <a:pPr lvl="4"/>
-            <a:r>
-              <a:rPr lang="en-US"/>
-              <a:t>Fifth level</a:t>
-            </a:r>
-          </a:p>
-        </p:txBody>
-      </p:sp>
-      <p:sp>
-        <p:nvSpPr>
-          <p:cNvPr id="6" name="Footer Placeholder 5"/>
-          <p:cNvSpPr>
-            <a:spLocks noGrp="1"/>
-          </p:cNvSpPr>
-          <p:nvPr>
-            <p:ph type="ftr" sz="quarter" idx="4"/>
-          </p:nvPr>
-        </p:nvSpPr>
-        <p:spPr>
-          <a:xfrm>
-            <a:off x="0" y="8685213"/>
-            <a:ext cx="2971800" cy="458787"/>
-          </a:xfrm>
-          <a:prstGeom prst="rect">
-            <a:avLst/>
-          </a:prstGeom>
-        </p:spPr>
-        <p:txBody>
-          <a:bodyPr vert="horz" lIns="91440" tIns="45720" rIns="91440" bIns="45720" rtlCol="0" anchor="b"/>
-          <a:lstStyle>
-            <a:lvl1pPr algn="l">
-              <a:defRPr sz="1200"/>
-            </a:lvl1pPr>
-          </a:lstStyle>
-          <a:p>
-            <a:endParaRPr lang="en-US"/>
-          </a:p>
-        </p:txBody>
-      </p:sp>
-      <p:sp>
-        <p:nvSpPr>
-          <p:cNvPr id="7" name="Slide Number Placeholder 6"/>
-          <p:cNvSpPr>
-            <a:spLocks noGrp="1"/>
-          </p:cNvSpPr>
-          <p:nvPr>
-            <p:ph type="sldNum" sz="quarter" idx="5"/>
-          </p:nvPr>
-        </p:nvSpPr>
-        <p:spPr>
-          <a:xfrm>
-            <a:off x="3884613" y="8685213"/>
-            <a:ext cx="2971800" cy="458787"/>
-          </a:xfrm>
-          <a:prstGeom prst="rect">
-            <a:avLst/>
-          </a:prstGeom>
-        </p:spPr>
-        <p:txBody>
-          <a:bodyPr vert="horz" lIns="91440" tIns="45720" rIns="91440" bIns="45720" rtlCol="0" anchor="b"/>
-          <a:lstStyle>
-            <a:lvl1pPr algn="r">
-              <a:defRPr sz="1200"/>
-            </a:lvl1pPr>
-          </a:lstStyle>
-          <a:p>
-            <a:fld id="{CE5E9CC1-C706-0F49-92D6-E571CC5EEA8F}" type="slidenum">
-              <a:rPr lang="en-US"/>
-              <a:t>‹#›</a:t>
-            </a:fld>
-            <a:endParaRPr lang="en-US"/>
-          </a:p>
-        </p:txBody>
-      </p:sp>
     </p:spTree>
     <p:extLst>
       <p:ext uri="{BB962C8B-B14F-4D97-AF65-F5344CB8AC3E}">
-        <p14:creationId xmlns:p14="http://schemas.microsoft.com/office/powerpoint/2010/main" val="1024086991"/>
+        <p14:creationId xmlns:p14="http://schemas.microsoft.com/office/powerpoint/2010/main" val="1809581123"/>
       </p:ext>
     </p:extLst>
   </p:cSld>
@@ -515,10 +298,6 @@
           <a:bodyPr/>
           <a:lstStyle/>
           <a:p>
-            <a:r>
-              <a:rPr lang="en-US" dirty="0"/>
-              <a:t/>
-            </a:r>
             <a:endParaRPr lang="en-US" dirty="0"/>
           </a:p>
         </p:txBody>
@@ -540,7 +319,7 @@
           <a:p>
             <a:fld id="{F7021451-1387-4CA6-816F-3879F97B5CBC}" type="slidenum">
               <a:rPr lang="en-US"/>
-              <a:t>1</a:t>
+              <a:t>2</a:t>
             </a:fld>
             <a:endParaRPr lang="en-US"/>
           </a:p>
@@ -603,10 +382,6 @@
           <a:bodyPr/>
           <a:lstStyle/>
           <a:p>
-            <a:r>
-              <a:rPr lang="en-US" dirty="0"/>
-              <a:t/>
-            </a:r>
             <a:endParaRPr lang="en-US" dirty="0"/>
           </a:p>
         </p:txBody>
@@ -628,7 +403,7 @@
           <a:p>
             <a:fld id="{F7021451-1387-4CA6-816F-3879F97B5CBC}" type="slidenum">
               <a:rPr lang="en-US"/>
-              <a:t>10</a:t>
+              <a:t>11</a:t>
             </a:fld>
             <a:endParaRPr lang="en-US"/>
           </a:p>
@@ -691,10 +466,6 @@
           <a:bodyPr/>
           <a:lstStyle/>
           <a:p>
-            <a:r>
-              <a:rPr lang="en-US" dirty="0"/>
-              <a:t/>
-            </a:r>
             <a:endParaRPr lang="en-US" dirty="0"/>
           </a:p>
         </p:txBody>
@@ -716,7 +487,7 @@
           <a:p>
             <a:fld id="{F7021451-1387-4CA6-816F-3879F97B5CBC}" type="slidenum">
               <a:rPr lang="en-US"/>
-              <a:t>11</a:t>
+              <a:t>12</a:t>
             </a:fld>
             <a:endParaRPr lang="en-US"/>
           </a:p>
@@ -779,10 +550,6 @@
           <a:bodyPr/>
           <a:lstStyle/>
           <a:p>
-            <a:r>
-              <a:rPr lang="en-US" dirty="0"/>
-              <a:t/>
-            </a:r>
             <a:endParaRPr lang="en-US" dirty="0"/>
           </a:p>
         </p:txBody>
@@ -804,7 +571,7 @@
           <a:p>
             <a:fld id="{F7021451-1387-4CA6-816F-3879F97B5CBC}" type="slidenum">
               <a:rPr lang="en-US"/>
-              <a:t>12</a:t>
+              <a:t>13</a:t>
             </a:fld>
             <a:endParaRPr lang="en-US"/>
           </a:p>
@@ -867,10 +634,6 @@
           <a:bodyPr/>
           <a:lstStyle/>
           <a:p>
-            <a:r>
-              <a:rPr lang="en-US" dirty="0"/>
-              <a:t/>
-            </a:r>
             <a:endParaRPr lang="en-US" dirty="0"/>
           </a:p>
         </p:txBody>
@@ -892,7 +655,7 @@
           <a:p>
             <a:fld id="{F7021451-1387-4CA6-816F-3879F97B5CBC}" type="slidenum">
               <a:rPr lang="en-US"/>
-              <a:t>13</a:t>
+              <a:t>14</a:t>
             </a:fld>
             <a:endParaRPr lang="en-US"/>
           </a:p>
@@ -955,10 +718,6 @@
           <a:bodyPr/>
           <a:lstStyle/>
           <a:p>
-            <a:r>
-              <a:rPr lang="en-US" dirty="0"/>
-              <a:t/>
-            </a:r>
             <a:endParaRPr lang="en-US" dirty="0"/>
           </a:p>
         </p:txBody>
@@ -980,7 +739,7 @@
           <a:p>
             <a:fld id="{F7021451-1387-4CA6-816F-3879F97B5CBC}" type="slidenum">
               <a:rPr lang="en-US"/>
-              <a:t>14</a:t>
+              <a:t>15</a:t>
             </a:fld>
             <a:endParaRPr lang="en-US"/>
           </a:p>
@@ -1043,10 +802,6 @@
           <a:bodyPr/>
           <a:lstStyle/>
           <a:p>
-            <a:r>
-              <a:rPr lang="en-US" dirty="0"/>
-              <a:t/>
-            </a:r>
             <a:endParaRPr lang="en-US" dirty="0"/>
           </a:p>
         </p:txBody>
@@ -1068,7 +823,7 @@
           <a:p>
             <a:fld id="{F7021451-1387-4CA6-816F-3879F97B5CBC}" type="slidenum">
               <a:rPr lang="en-US"/>
-              <a:t>15</a:t>
+              <a:t>16</a:t>
             </a:fld>
             <a:endParaRPr lang="en-US"/>
           </a:p>
@@ -1131,10 +886,6 @@
           <a:bodyPr/>
           <a:lstStyle/>
           <a:p>
-            <a:r>
-              <a:rPr lang="en-US" dirty="0"/>
-              <a:t/>
-            </a:r>
             <a:endParaRPr lang="en-US" dirty="0"/>
           </a:p>
         </p:txBody>
@@ -1156,7 +907,7 @@
           <a:p>
             <a:fld id="{F7021451-1387-4CA6-816F-3879F97B5CBC}" type="slidenum">
               <a:rPr lang="en-US"/>
-              <a:t>16</a:t>
+              <a:t>17</a:t>
             </a:fld>
             <a:endParaRPr lang="en-US"/>
           </a:p>
@@ -1219,10 +970,6 @@
           <a:bodyPr/>
           <a:lstStyle/>
           <a:p>
-            <a:r>
-              <a:rPr lang="en-US" dirty="0"/>
-              <a:t/>
-            </a:r>
             <a:endParaRPr lang="en-US" dirty="0"/>
           </a:p>
         </p:txBody>
@@ -1244,7 +991,7 @@
           <a:p>
             <a:fld id="{F7021451-1387-4CA6-816F-3879F97B5CBC}" type="slidenum">
               <a:rPr lang="en-US"/>
-              <a:t>2</a:t>
+              <a:t>3</a:t>
             </a:fld>
             <a:endParaRPr lang="en-US"/>
           </a:p>
@@ -1307,10 +1054,6 @@
           <a:bodyPr/>
           <a:lstStyle/>
           <a:p>
-            <a:r>
-              <a:rPr lang="en-US" dirty="0"/>
-              <a:t/>
-            </a:r>
             <a:endParaRPr lang="en-US" dirty="0"/>
           </a:p>
         </p:txBody>
@@ -1332,7 +1075,7 @@
           <a:p>
             <a:fld id="{F7021451-1387-4CA6-816F-3879F97B5CBC}" type="slidenum">
               <a:rPr lang="en-US"/>
-              <a:t>3</a:t>
+              <a:t>4</a:t>
             </a:fld>
             <a:endParaRPr lang="en-US"/>
           </a:p>
@@ -1395,10 +1138,6 @@
           <a:bodyPr/>
           <a:lstStyle/>
           <a:p>
-            <a:r>
-              <a:rPr lang="en-US" dirty="0"/>
-              <a:t/>
-            </a:r>
             <a:endParaRPr lang="en-US" dirty="0"/>
           </a:p>
         </p:txBody>
@@ -1420,7 +1159,7 @@
           <a:p>
             <a:fld id="{F7021451-1387-4CA6-816F-3879F97B5CBC}" type="slidenum">
               <a:rPr lang="en-US"/>
-              <a:t>4</a:t>
+              <a:t>5</a:t>
             </a:fld>
             <a:endParaRPr lang="en-US"/>
           </a:p>
@@ -1483,10 +1222,6 @@
           <a:bodyPr/>
           <a:lstStyle/>
           <a:p>
-            <a:r>
-              <a:rPr lang="en-US" dirty="0"/>
-              <a:t/>
-            </a:r>
             <a:endParaRPr lang="en-US" dirty="0"/>
           </a:p>
         </p:txBody>
@@ -1508,7 +1243,7 @@
           <a:p>
             <a:fld id="{F7021451-1387-4CA6-816F-3879F97B5CBC}" type="slidenum">
               <a:rPr lang="en-US"/>
-              <a:t>5</a:t>
+              <a:t>6</a:t>
             </a:fld>
             <a:endParaRPr lang="en-US"/>
           </a:p>
@@ -1571,10 +1306,6 @@
           <a:bodyPr/>
           <a:lstStyle/>
           <a:p>
-            <a:r>
-              <a:rPr lang="en-US" dirty="0"/>
-              <a:t/>
-            </a:r>
             <a:endParaRPr lang="en-US" dirty="0"/>
           </a:p>
         </p:txBody>
@@ -1596,7 +1327,7 @@
           <a:p>
             <a:fld id="{F7021451-1387-4CA6-816F-3879F97B5CBC}" type="slidenum">
               <a:rPr lang="en-US"/>
-              <a:t>6</a:t>
+              <a:t>7</a:t>
             </a:fld>
             <a:endParaRPr lang="en-US"/>
           </a:p>
@@ -1659,10 +1390,6 @@
           <a:bodyPr/>
           <a:lstStyle/>
           <a:p>
-            <a:r>
-              <a:rPr lang="en-US" dirty="0"/>
-              <a:t/>
-            </a:r>
             <a:endParaRPr lang="en-US" dirty="0"/>
           </a:p>
         </p:txBody>
@@ -1684,7 +1411,7 @@
           <a:p>
             <a:fld id="{F7021451-1387-4CA6-816F-3879F97B5CBC}" type="slidenum">
               <a:rPr lang="en-US"/>
-              <a:t>7</a:t>
+              <a:t>8</a:t>
             </a:fld>
             <a:endParaRPr lang="en-US"/>
           </a:p>
@@ -1747,10 +1474,6 @@
           <a:bodyPr/>
           <a:lstStyle/>
           <a:p>
-            <a:r>
-              <a:rPr lang="en-US" dirty="0"/>
-              <a:t/>
-            </a:r>
             <a:endParaRPr lang="en-US" dirty="0"/>
           </a:p>
         </p:txBody>
@@ -1772,7 +1495,7 @@
           <a:p>
             <a:fld id="{F7021451-1387-4CA6-816F-3879F97B5CBC}" type="slidenum">
               <a:rPr lang="en-US"/>
-              <a:t>8</a:t>
+              <a:t>9</a:t>
             </a:fld>
             <a:endParaRPr lang="en-US"/>
           </a:p>
@@ -1835,10 +1558,6 @@
           <a:bodyPr/>
           <a:lstStyle/>
           <a:p>
-            <a:r>
-              <a:rPr lang="en-US" dirty="0"/>
-              <a:t/>
-            </a:r>
             <a:endParaRPr lang="en-US" dirty="0"/>
           </a:p>
         </p:txBody>
@@ -1860,7 +1579,7 @@
           <a:p>
             <a:fld id="{F7021451-1387-4CA6-816F-3879F97B5CBC}" type="slidenum">
               <a:rPr lang="en-US"/>
-              <a:t>9</a:t>
+              <a:t>10</a:t>
             </a:fld>
             <a:endParaRPr lang="en-US"/>
           </a:p>
@@ -1912,6 +1631,11 @@
 <file path=ppt/slideMasters/slideMaster1.xml><?xml version="1.0" encoding="utf-8"?>
 <p:sldMaster xmlns:a="http://schemas.openxmlformats.org/drawingml/2006/main" xmlns:r="http://schemas.openxmlformats.org/officeDocument/2006/relationships" xmlns:p="http://schemas.openxmlformats.org/presentationml/2006/main">
   <p:cSld>
+    <p:bg>
+      <p:bgRef idx="1001">
+        <a:schemeClr val="bg1"/>
+      </p:bgRef>
+    </p:bg>
     <p:spTree>
       <p:nvGrpSpPr>
         <p:cNvPr id="1" name=""/>
@@ -2188,18 +1912,12 @@
 
 <file path=ppt/slides/slide1.xml><?xml version="1.0" encoding="utf-8"?>
 <p:sld xmlns:a="http://schemas.openxmlformats.org/drawingml/2006/main" xmlns:r="http://schemas.openxmlformats.org/officeDocument/2006/relationships" xmlns:p="http://schemas.openxmlformats.org/presentationml/2006/main">
-  <p:cSld name="Slide 1">
+  <p:cSld>
     <p:bg>
       <p:bgPr>
-        <a:blipFill dpi="0" rotWithShape="1">
-          <a:blip r:embed="rId1">
-            <a:lum/>
-          </a:blip>
-          <a:srcRect/>
-          <a:stretch>
-            <a:fillRect/>
-          </a:stretch>
-        </a:blipFill>
+        <a:solidFill>
+          <a:schemeClr val="bg1"/>
+        </a:solidFill>
         <a:effectLst/>
       </p:bgPr>
     </p:bg>
@@ -2217,7 +1935,465 @@
           <a:chExt cx="0" cy="0"/>
         </a:xfrm>
       </p:grpSpPr>
+      <p:sp useBgFill="1">
+        <p:nvSpPr>
+          <p:cNvPr id="10" name="Rectangle 9">
+            <a:extLst>
+              <a:ext uri="{FF2B5EF4-FFF2-40B4-BE49-F238E27FC236}">
+                <a16:creationId xmlns:a16="http://schemas.microsoft.com/office/drawing/2014/main" id="{D5B339F4-93B9-4E04-9721-143AD6782EA9}"/>
+              </a:ext>
+              <a:ext uri="{C183D7F6-B498-43B3-948B-1728B52AA6E4}">
+                <adec:decorative xmlns:adec="http://schemas.microsoft.com/office/drawing/2017/decorative" val="1"/>
+              </a:ext>
+            </a:extLst>
+          </p:cNvPr>
+          <p:cNvSpPr>
+            <a:spLocks noGrp="1" noRot="1" noChangeAspect="1" noMove="1" noResize="1" noEditPoints="1" noAdjustHandles="1" noChangeArrowheads="1" noChangeShapeType="1" noTextEdit="1"/>
+          </p:cNvSpPr>
+          <p:nvPr>
+            <p:extLst>
+              <p:ext uri="{386F3935-93C4-4BCD-93E2-E3B085C9AB24}">
+                <p16:designElem xmlns:p16="http://schemas.microsoft.com/office/powerpoint/2015/main" val="1"/>
+              </p:ext>
+            </p:extLst>
+          </p:nvPr>
+        </p:nvSpPr>
+        <p:spPr>
+          <a:xfrm>
+            <a:off x="0" y="0"/>
+            <a:ext cx="12191999" cy="6857365"/>
+          </a:xfrm>
+          <a:prstGeom prst="rect">
+            <a:avLst/>
+          </a:prstGeom>
+          <a:ln>
+            <a:noFill/>
+          </a:ln>
+        </p:spPr>
+        <p:style>
+          <a:lnRef idx="2">
+            <a:schemeClr val="accent1">
+              <a:shade val="50000"/>
+            </a:schemeClr>
+          </a:lnRef>
+          <a:fillRef idx="1">
+            <a:schemeClr val="accent1"/>
+          </a:fillRef>
+          <a:effectRef idx="0">
+            <a:schemeClr val="accent1"/>
+          </a:effectRef>
+          <a:fontRef idx="minor">
+            <a:schemeClr val="lt1"/>
+          </a:fontRef>
+        </p:style>
+        <p:txBody>
+          <a:bodyPr rtlCol="0" anchor="ctr"/>
+          <a:lstStyle/>
+          <a:p>
+            <a:pPr algn="ctr"/>
+            <a:endParaRPr lang="en-US"/>
+          </a:p>
+        </p:txBody>
+      </p:sp>
+      <p:grpSp>
+        <p:nvGrpSpPr>
+          <p:cNvPr id="12" name="Group 11">
+            <a:extLst>
+              <a:ext uri="{FF2B5EF4-FFF2-40B4-BE49-F238E27FC236}">
+                <a16:creationId xmlns:a16="http://schemas.microsoft.com/office/drawing/2014/main" id="{8734DDD3-F723-4DD3-8ABE-EC0B2AC87D74}"/>
+              </a:ext>
+              <a:ext uri="{C183D7F6-B498-43B3-948B-1728B52AA6E4}">
+                <adec:decorative xmlns:adec="http://schemas.microsoft.com/office/drawing/2017/decorative" val="1"/>
+              </a:ext>
+            </a:extLst>
+          </p:cNvPr>
+          <p:cNvGrpSpPr>
+            <a:grpSpLocks noGrp="1" noUngrp="1" noRot="1" noChangeAspect="1" noMove="1" noResize="1"/>
+          </p:cNvGrpSpPr>
+          <p:nvPr>
+            <p:extLst>
+              <p:ext uri="{386F3935-93C4-4BCD-93E2-E3B085C9AB24}">
+                <p16:designElem xmlns:p16="http://schemas.microsoft.com/office/powerpoint/2015/main" val="1"/>
+              </p:ext>
+            </p:extLst>
+          </p:nvPr>
+        </p:nvGrpSpPr>
+        <p:grpSpPr>
+          <a:xfrm>
+            <a:off x="2522324" y="0"/>
+            <a:ext cx="7147352" cy="5777808"/>
+            <a:chOff x="329184" y="1"/>
+            <a:chExt cx="524256" cy="5777808"/>
+          </a:xfrm>
+        </p:grpSpPr>
+        <p:cxnSp>
+          <p:nvCxnSpPr>
+            <p:cNvPr id="13" name="Straight Connector 12">
+              <a:extLst>
+                <a:ext uri="{FF2B5EF4-FFF2-40B4-BE49-F238E27FC236}">
+                  <a16:creationId xmlns:a16="http://schemas.microsoft.com/office/drawing/2014/main" id="{F7C8EA93-3210-4C62-99E9-153C275E3A87}"/>
+                </a:ext>
+                <a:ext uri="{C183D7F6-B498-43B3-948B-1728B52AA6E4}">
+                  <adec:decorative xmlns:adec="http://schemas.microsoft.com/office/drawing/2017/decorative" val="1"/>
+                </a:ext>
+              </a:extLst>
+            </p:cNvPr>
+            <p:cNvCxnSpPr>
+              <a:cxnSpLocks/>
+            </p:cNvCxnSpPr>
+            <p:nvPr>
+              <p:extLst>
+                <p:ext uri="{386F3935-93C4-4BCD-93E2-E3B085C9AB24}">
+                  <p16:designElem xmlns:p16="http://schemas.microsoft.com/office/powerpoint/2015/main" val="1"/>
+                </p:ext>
+              </p:extLst>
+            </p:nvPr>
+          </p:nvCxnSpPr>
+          <p:spPr>
+            <a:xfrm flipH="1">
+              <a:off x="329184" y="5777809"/>
+              <a:ext cx="523824" cy="0"/>
+            </a:xfrm>
+            <a:prstGeom prst="line">
+              <a:avLst/>
+            </a:prstGeom>
+            <a:ln w="152400">
+              <a:solidFill>
+                <a:schemeClr val="accent4"/>
+              </a:solidFill>
+            </a:ln>
+          </p:spPr>
+          <p:style>
+            <a:lnRef idx="1">
+              <a:schemeClr val="accent1"/>
+            </a:lnRef>
+            <a:fillRef idx="0">
+              <a:schemeClr val="accent1"/>
+            </a:fillRef>
+            <a:effectRef idx="0">
+              <a:schemeClr val="accent1"/>
+            </a:effectRef>
+            <a:fontRef idx="minor">
+              <a:schemeClr val="tx1"/>
+            </a:fontRef>
+          </p:style>
+        </p:cxnSp>
+        <p:sp>
+          <p:nvSpPr>
+            <p:cNvPr id="14" name="Rectangle 13">
+              <a:extLst>
+                <a:ext uri="{FF2B5EF4-FFF2-40B4-BE49-F238E27FC236}">
+                  <a16:creationId xmlns:a16="http://schemas.microsoft.com/office/drawing/2014/main" id="{5EB7D2A2-F448-44D4-938C-DC84CBCB3B1E}"/>
+                </a:ext>
+                <a:ext uri="{C183D7F6-B498-43B3-948B-1728B52AA6E4}">
+                  <adec:decorative xmlns:adec="http://schemas.microsoft.com/office/drawing/2017/decorative" val="1"/>
+                </a:ext>
+              </a:extLst>
+            </p:cNvPr>
+            <p:cNvSpPr/>
+            <p:nvPr>
+              <p:extLst>
+                <p:ext uri="{386F3935-93C4-4BCD-93E2-E3B085C9AB24}">
+                  <p16:designElem xmlns:p16="http://schemas.microsoft.com/office/powerpoint/2015/main" val="1"/>
+                </p:ext>
+              </p:extLst>
+            </p:nvPr>
+          </p:nvSpPr>
+          <p:spPr>
+            <a:xfrm>
+              <a:off x="329184" y="1"/>
+              <a:ext cx="524256" cy="5532119"/>
+            </a:xfrm>
+            <a:prstGeom prst="rect">
+              <a:avLst/>
+            </a:prstGeom>
+            <a:solidFill>
+              <a:schemeClr val="accent4"/>
+            </a:solidFill>
+            <a:ln>
+              <a:noFill/>
+            </a:ln>
+          </p:spPr>
+          <p:style>
+            <a:lnRef idx="2">
+              <a:schemeClr val="accent1">
+                <a:shade val="50000"/>
+              </a:schemeClr>
+            </a:lnRef>
+            <a:fillRef idx="1">
+              <a:schemeClr val="accent1"/>
+            </a:fillRef>
+            <a:effectRef idx="0">
+              <a:schemeClr val="accent1"/>
+            </a:effectRef>
+            <a:fontRef idx="minor">
+              <a:schemeClr val="lt1"/>
+            </a:fontRef>
+          </p:style>
+          <p:txBody>
+            <a:bodyPr rtlCol="0" anchor="ctr"/>
+            <a:lstStyle/>
+            <a:p>
+              <a:pPr algn="ctr"/>
+              <a:endParaRPr lang="en-US" dirty="0"/>
+            </a:p>
+          </p:txBody>
+        </p:sp>
+      </p:grpSp>
+      <p:sp>
+        <p:nvSpPr>
+          <p:cNvPr id="16" name="Rectangle 15">
+            <a:extLst>
+              <a:ext uri="{FF2B5EF4-FFF2-40B4-BE49-F238E27FC236}">
+                <a16:creationId xmlns:a16="http://schemas.microsoft.com/office/drawing/2014/main" id="{871AEA07-1E14-44B4-8E55-64EF049CD66F}"/>
+              </a:ext>
+              <a:ext uri="{C183D7F6-B498-43B3-948B-1728B52AA6E4}">
+                <adec:decorative xmlns:adec="http://schemas.microsoft.com/office/drawing/2017/decorative" val="1"/>
+              </a:ext>
+            </a:extLst>
+          </p:cNvPr>
+          <p:cNvSpPr>
+            <a:spLocks noGrp="1" noRot="1" noChangeAspect="1" noMove="1" noResize="1" noEditPoints="1" noAdjustHandles="1" noChangeArrowheads="1" noChangeShapeType="1" noTextEdit="1"/>
+          </p:cNvSpPr>
+          <p:nvPr>
+            <p:extLst>
+              <p:ext uri="{386F3935-93C4-4BCD-93E2-E3B085C9AB24}">
+                <p16:designElem xmlns:p16="http://schemas.microsoft.com/office/powerpoint/2015/main" val="1"/>
+              </p:ext>
+            </p:extLst>
+          </p:nvPr>
+        </p:nvSpPr>
+        <p:spPr>
+          <a:xfrm>
+            <a:off x="596464" y="551961"/>
+            <a:ext cx="10999072" cy="5325139"/>
+          </a:xfrm>
+          <a:prstGeom prst="rect">
+            <a:avLst/>
+          </a:prstGeom>
+          <a:solidFill>
+            <a:schemeClr val="bg1"/>
+          </a:solidFill>
+          <a:ln>
+            <a:noFill/>
+          </a:ln>
+          <a:effectLst>
+            <a:outerShdw blurRad="139700" dist="127000" dir="5400000" algn="t" rotWithShape="0">
+              <a:prstClr val="black">
+                <a:alpha val="15000"/>
+              </a:prstClr>
+            </a:outerShdw>
+          </a:effectLst>
+        </p:spPr>
+        <p:style>
+          <a:lnRef idx="2">
+            <a:schemeClr val="accent1">
+              <a:shade val="50000"/>
+            </a:schemeClr>
+          </a:lnRef>
+          <a:fillRef idx="1">
+            <a:schemeClr val="accent1"/>
+          </a:fillRef>
+          <a:effectRef idx="0">
+            <a:schemeClr val="accent1"/>
+          </a:effectRef>
+          <a:fontRef idx="minor">
+            <a:schemeClr val="lt1"/>
+          </a:fontRef>
+        </p:style>
+        <p:txBody>
+          <a:bodyPr rtlCol="0" anchor="ctr"/>
+          <a:lstStyle/>
+          <a:p>
+            <a:pPr algn="ctr"/>
+            <a:endParaRPr lang="en-US"/>
+          </a:p>
+        </p:txBody>
+      </p:sp>
+      <p:sp>
+        <p:nvSpPr>
+          <p:cNvPr id="3" name="ZoneTexte 2">
+            <a:extLst>
+              <a:ext uri="{FF2B5EF4-FFF2-40B4-BE49-F238E27FC236}">
+                <a16:creationId xmlns:a16="http://schemas.microsoft.com/office/drawing/2014/main" id="{5499324B-21D2-0B92-1303-F25FB081ADC8}"/>
+              </a:ext>
+            </a:extLst>
+          </p:cNvPr>
+          <p:cNvSpPr txBox="1"/>
+          <p:nvPr/>
+        </p:nvSpPr>
+        <p:spPr>
+          <a:xfrm>
+            <a:off x="1524000" y="1231961"/>
+            <a:ext cx="9144000" cy="2387600"/>
+          </a:xfrm>
+          <a:prstGeom prst="rect">
+            <a:avLst/>
+          </a:prstGeom>
+        </p:spPr>
+        <p:txBody>
+          <a:bodyPr vert="horz" lIns="91440" tIns="45720" rIns="91440" bIns="45720" rtlCol="0" anchor="b">
+            <a:normAutofit/>
+          </a:bodyPr>
+          <a:lstStyle/>
+          <a:p>
+            <a:pPr algn="ctr">
+              <a:lnSpc>
+                <a:spcPct val="90000"/>
+              </a:lnSpc>
+              <a:spcBef>
+                <a:spcPct val="0"/>
+              </a:spcBef>
+              <a:spcAft>
+                <a:spcPts val="600"/>
+              </a:spcAft>
+            </a:pPr>
+            <a:r>
+              <a:rPr lang="en-US" sz="6000" kern="1200">
+                <a:solidFill>
+                  <a:schemeClr val="tx1"/>
+                </a:solidFill>
+                <a:latin typeface="+mj-lt"/>
+                <a:ea typeface="+mj-ea"/>
+                <a:cs typeface="+mj-cs"/>
+              </a:rPr>
+              <a:t>PROJET FULLSTACK</a:t>
+            </a:r>
+          </a:p>
+        </p:txBody>
+      </p:sp>
+      <p:sp>
+        <p:nvSpPr>
+          <p:cNvPr id="4" name="ZoneTexte 3">
+            <a:extLst>
+              <a:ext uri="{FF2B5EF4-FFF2-40B4-BE49-F238E27FC236}">
+                <a16:creationId xmlns:a16="http://schemas.microsoft.com/office/drawing/2014/main" id="{6886BF1B-A601-F9ED-35E9-7DB44375CA03}"/>
+              </a:ext>
+            </a:extLst>
+          </p:cNvPr>
+          <p:cNvSpPr txBox="1"/>
+          <p:nvPr/>
+        </p:nvSpPr>
+        <p:spPr>
+          <a:xfrm>
+            <a:off x="1524000" y="3803712"/>
+            <a:ext cx="9144000" cy="1563686"/>
+          </a:xfrm>
+          <a:prstGeom prst="rect">
+            <a:avLst/>
+          </a:prstGeom>
+        </p:spPr>
+        <p:txBody>
+          <a:bodyPr vert="horz" lIns="91440" tIns="45720" rIns="91440" bIns="45720" rtlCol="0">
+            <a:normAutofit/>
+          </a:bodyPr>
+          <a:lstStyle/>
+          <a:p>
+            <a:pPr algn="ctr">
+              <a:lnSpc>
+                <a:spcPct val="90000"/>
+              </a:lnSpc>
+              <a:spcBef>
+                <a:spcPts val="1000"/>
+              </a:spcBef>
+            </a:pPr>
+            <a:r>
+              <a:rPr lang="en-US" sz="2400" kern="1200" dirty="0">
+                <a:solidFill>
+                  <a:schemeClr val="tx1"/>
+                </a:solidFill>
+                <a:latin typeface="+mn-lt"/>
+                <a:ea typeface="+mn-ea"/>
+                <a:cs typeface="+mn-cs"/>
+              </a:rPr>
+              <a:t>Fait par Tiago DA COSTA</a:t>
+            </a:r>
+          </a:p>
+          <a:p>
+            <a:pPr algn="ctr">
+              <a:lnSpc>
+                <a:spcPct val="90000"/>
+              </a:lnSpc>
+              <a:spcBef>
+                <a:spcPts val="1000"/>
+              </a:spcBef>
+            </a:pPr>
+            <a:r>
+              <a:rPr lang="en-US" sz="2400" dirty="0"/>
+              <a:t>Du </a:t>
+            </a:r>
+            <a:r>
+              <a:rPr lang="en-US" sz="2400" dirty="0" err="1"/>
+              <a:t>groupe</a:t>
+            </a:r>
+            <a:r>
+              <a:rPr lang="en-US" sz="2400" dirty="0"/>
+              <a:t> </a:t>
+            </a:r>
+            <a:r>
+              <a:rPr lang="en-US" sz="2400" dirty="0" err="1"/>
+              <a:t>Karmeliet</a:t>
+            </a:r>
+            <a:endParaRPr lang="en-US" sz="2400" kern="1200" dirty="0">
+              <a:solidFill>
+                <a:schemeClr val="tx1"/>
+              </a:solidFill>
+              <a:latin typeface="+mn-lt"/>
+              <a:ea typeface="+mn-ea"/>
+              <a:cs typeface="+mn-cs"/>
+            </a:endParaRPr>
+          </a:p>
+        </p:txBody>
+      </p:sp>
+      <p:sp>
+        <p:nvSpPr>
+          <p:cNvPr id="5" name="ZoneTexte 4">
+            <a:extLst>
+              <a:ext uri="{FF2B5EF4-FFF2-40B4-BE49-F238E27FC236}">
+                <a16:creationId xmlns:a16="http://schemas.microsoft.com/office/drawing/2014/main" id="{956CA7C9-D13C-3E00-E9E6-6E60F18961E4}"/>
+              </a:ext>
+            </a:extLst>
+          </p:cNvPr>
+          <p:cNvSpPr txBox="1"/>
+          <p:nvPr/>
+        </p:nvSpPr>
+        <p:spPr>
+          <a:xfrm>
+            <a:off x="11024349" y="6452339"/>
+            <a:ext cx="1239371" cy="461665"/>
+          </a:xfrm>
+          <a:prstGeom prst="rect">
+            <a:avLst/>
+          </a:prstGeom>
+          <a:noFill/>
+        </p:spPr>
+        <p:txBody>
+          <a:bodyPr wrap="square" rtlCol="0">
+            <a:spAutoFit/>
+          </a:bodyPr>
+          <a:lstStyle/>
+          <a:p>
+            <a:pPr>
+              <a:spcAft>
+                <a:spcPts val="600"/>
+              </a:spcAft>
+            </a:pPr>
+            <a:r>
+              <a:rPr lang="fr-FR" sz="2400" dirty="0">
+                <a:latin typeface="Aharoni" panose="020F0502020204030204" pitchFamily="2" charset="-79"/>
+                <a:cs typeface="Aharoni" panose="020F0502020204030204" pitchFamily="2" charset="-79"/>
+              </a:rPr>
+              <a:t>28/11/25</a:t>
+            </a:r>
+          </a:p>
+        </p:txBody>
+      </p:sp>
     </p:spTree>
+    <p:extLst>
+      <p:ext uri="{BB962C8B-B14F-4D97-AF65-F5344CB8AC3E}">
+        <p14:creationId xmlns:p14="http://schemas.microsoft.com/office/powerpoint/2010/main" val="2550874807"/>
+      </p:ext>
+    </p:extLst>
   </p:cSld>
   <p:clrMapOvr>
     <a:masterClrMapping/>
@@ -2227,11 +2403,11 @@
 
 <file path=ppt/slides/slide10.xml><?xml version="1.0" encoding="utf-8"?>
 <p:sld xmlns:a="http://schemas.openxmlformats.org/drawingml/2006/main" xmlns:r="http://schemas.openxmlformats.org/officeDocument/2006/relationships" xmlns:p="http://schemas.openxmlformats.org/presentationml/2006/main">
-  <p:cSld name="Slide 10">
+  <p:cSld name="Slide 9">
     <p:bg>
       <p:bgPr>
         <a:blipFill dpi="0" rotWithShape="1">
-          <a:blip r:embed="rId1">
+          <a:blip r:embed="rId3">
             <a:lum/>
           </a:blip>
           <a:srcRect/>
@@ -2266,11 +2442,11 @@
 
 <file path=ppt/slides/slide11.xml><?xml version="1.0" encoding="utf-8"?>
 <p:sld xmlns:a="http://schemas.openxmlformats.org/drawingml/2006/main" xmlns:r="http://schemas.openxmlformats.org/officeDocument/2006/relationships" xmlns:p="http://schemas.openxmlformats.org/presentationml/2006/main">
-  <p:cSld name="Slide 11">
+  <p:cSld name="Slide 10">
     <p:bg>
       <p:bgPr>
         <a:blipFill dpi="0" rotWithShape="1">
-          <a:blip r:embed="rId1">
+          <a:blip r:embed="rId3">
             <a:lum/>
           </a:blip>
           <a:srcRect/>
@@ -2305,11 +2481,11 @@
 
 <file path=ppt/slides/slide12.xml><?xml version="1.0" encoding="utf-8"?>
 <p:sld xmlns:a="http://schemas.openxmlformats.org/drawingml/2006/main" xmlns:r="http://schemas.openxmlformats.org/officeDocument/2006/relationships" xmlns:p="http://schemas.openxmlformats.org/presentationml/2006/main">
-  <p:cSld name="Slide 12">
+  <p:cSld name="Slide 11">
     <p:bg>
       <p:bgPr>
         <a:blipFill dpi="0" rotWithShape="1">
-          <a:blip r:embed="rId1">
+          <a:blip r:embed="rId3">
             <a:lum/>
           </a:blip>
           <a:srcRect/>
@@ -2344,11 +2520,11 @@
 
 <file path=ppt/slides/slide13.xml><?xml version="1.0" encoding="utf-8"?>
 <p:sld xmlns:a="http://schemas.openxmlformats.org/drawingml/2006/main" xmlns:r="http://schemas.openxmlformats.org/officeDocument/2006/relationships" xmlns:p="http://schemas.openxmlformats.org/presentationml/2006/main">
-  <p:cSld name="Slide 13">
+  <p:cSld name="Slide 12">
     <p:bg>
       <p:bgPr>
         <a:blipFill dpi="0" rotWithShape="1">
-          <a:blip r:embed="rId1">
+          <a:blip r:embed="rId3">
             <a:lum/>
           </a:blip>
           <a:srcRect/>
@@ -2383,11 +2559,11 @@
 
 <file path=ppt/slides/slide14.xml><?xml version="1.0" encoding="utf-8"?>
 <p:sld xmlns:a="http://schemas.openxmlformats.org/drawingml/2006/main" xmlns:r="http://schemas.openxmlformats.org/officeDocument/2006/relationships" xmlns:p="http://schemas.openxmlformats.org/presentationml/2006/main">
-  <p:cSld name="Slide 14">
+  <p:cSld name="Slide 13">
     <p:bg>
       <p:bgPr>
         <a:blipFill dpi="0" rotWithShape="1">
-          <a:blip r:embed="rId1">
+          <a:blip r:embed="rId3">
             <a:lum/>
           </a:blip>
           <a:srcRect/>
@@ -2422,11 +2598,11 @@
 
 <file path=ppt/slides/slide15.xml><?xml version="1.0" encoding="utf-8"?>
 <p:sld xmlns:a="http://schemas.openxmlformats.org/drawingml/2006/main" xmlns:r="http://schemas.openxmlformats.org/officeDocument/2006/relationships" xmlns:p="http://schemas.openxmlformats.org/presentationml/2006/main">
-  <p:cSld name="Slide 15">
+  <p:cSld name="Slide 14">
     <p:bg>
       <p:bgPr>
         <a:blipFill dpi="0" rotWithShape="1">
-          <a:blip r:embed="rId1">
+          <a:blip r:embed="rId3">
             <a:lum/>
           </a:blip>
           <a:srcRect/>
@@ -2461,11 +2637,11 @@
 
 <file path=ppt/slides/slide16.xml><?xml version="1.0" encoding="utf-8"?>
 <p:sld xmlns:a="http://schemas.openxmlformats.org/drawingml/2006/main" xmlns:r="http://schemas.openxmlformats.org/officeDocument/2006/relationships" xmlns:p="http://schemas.openxmlformats.org/presentationml/2006/main">
-  <p:cSld name="Slide 16">
+  <p:cSld name="Slide 15">
     <p:bg>
       <p:bgPr>
         <a:blipFill dpi="0" rotWithShape="1">
-          <a:blip r:embed="rId1">
+          <a:blip r:embed="rId3">
             <a:lum/>
           </a:blip>
           <a:srcRect/>
@@ -2498,13 +2674,461 @@
 </p:sld>
 </file>
 
-<file path=ppt/slides/slide2.xml><?xml version="1.0" encoding="utf-8"?>
+<file path=ppt/slides/slide17.xml><?xml version="1.0" encoding="utf-8"?>
 <p:sld xmlns:a="http://schemas.openxmlformats.org/drawingml/2006/main" xmlns:r="http://schemas.openxmlformats.org/officeDocument/2006/relationships" xmlns:p="http://schemas.openxmlformats.org/presentationml/2006/main">
-  <p:cSld name="Slide 2">
+  <p:cSld name="Slide 16">
     <p:bg>
       <p:bgPr>
         <a:blipFill dpi="0" rotWithShape="1">
-          <a:blip r:embed="rId1">
+          <a:blip r:embed="rId3">
+            <a:lum/>
+          </a:blip>
+          <a:srcRect/>
+          <a:stretch>
+            <a:fillRect/>
+          </a:stretch>
+        </a:blipFill>
+        <a:effectLst/>
+      </p:bgPr>
+    </p:bg>
+    <p:spTree>
+      <p:nvGrpSpPr>
+        <p:cNvPr id="1" name=""/>
+        <p:cNvGrpSpPr/>
+        <p:nvPr/>
+      </p:nvGrpSpPr>
+      <p:grpSpPr>
+        <a:xfrm>
+          <a:off x="0" y="0"/>
+          <a:ext cx="0" cy="0"/>
+          <a:chOff x="0" y="0"/>
+          <a:chExt cx="0" cy="0"/>
+        </a:xfrm>
+      </p:grpSpPr>
+    </p:spTree>
+  </p:cSld>
+  <p:clrMapOvr>
+    <a:masterClrMapping/>
+  </p:clrMapOvr>
+</p:sld>
+</file>
+
+<file path=ppt/slides/slide18.xml><?xml version="1.0" encoding="utf-8"?>
+<p:sld xmlns:a="http://schemas.openxmlformats.org/drawingml/2006/main" xmlns:r="http://schemas.openxmlformats.org/officeDocument/2006/relationships" xmlns:p="http://schemas.openxmlformats.org/presentationml/2006/main">
+  <p:cSld>
+    <p:bg>
+      <p:bgPr>
+        <a:solidFill>
+          <a:schemeClr val="bg1"/>
+        </a:solidFill>
+        <a:effectLst/>
+      </p:bgPr>
+    </p:bg>
+    <p:spTree>
+      <p:nvGrpSpPr>
+        <p:cNvPr id="1" name=""/>
+        <p:cNvGrpSpPr/>
+        <p:nvPr/>
+      </p:nvGrpSpPr>
+      <p:grpSpPr>
+        <a:xfrm>
+          <a:off x="0" y="0"/>
+          <a:ext cx="0" cy="0"/>
+          <a:chOff x="0" y="0"/>
+          <a:chExt cx="0" cy="0"/>
+        </a:xfrm>
+      </p:grpSpPr>
+      <p:sp useBgFill="1">
+        <p:nvSpPr>
+          <p:cNvPr id="10" name="Rectangle 9">
+            <a:extLst>
+              <a:ext uri="{FF2B5EF4-FFF2-40B4-BE49-F238E27FC236}">
+                <a16:creationId xmlns:a16="http://schemas.microsoft.com/office/drawing/2014/main" id="{A7895A40-19A4-42D6-9D30-DBC1E8002635}"/>
+              </a:ext>
+              <a:ext uri="{C183D7F6-B498-43B3-948B-1728B52AA6E4}">
+                <adec:decorative xmlns:adec="http://schemas.microsoft.com/office/drawing/2017/decorative" val="1"/>
+              </a:ext>
+            </a:extLst>
+          </p:cNvPr>
+          <p:cNvSpPr>
+            <a:spLocks noGrp="1" noRot="1" noChangeAspect="1" noMove="1" noResize="1" noEditPoints="1" noAdjustHandles="1" noChangeArrowheads="1" noChangeShapeType="1" noTextEdit="1"/>
+          </p:cNvSpPr>
+          <p:nvPr>
+            <p:extLst>
+              <p:ext uri="{386F3935-93C4-4BCD-93E2-E3B085C9AB24}">
+                <p16:designElem xmlns:p16="http://schemas.microsoft.com/office/powerpoint/2015/main" val="1"/>
+              </p:ext>
+            </p:extLst>
+          </p:nvPr>
+        </p:nvSpPr>
+        <p:spPr>
+          <a:xfrm>
+            <a:off x="0" y="0"/>
+            <a:ext cx="12191999" cy="6857365"/>
+          </a:xfrm>
+          <a:prstGeom prst="rect">
+            <a:avLst/>
+          </a:prstGeom>
+          <a:ln>
+            <a:noFill/>
+          </a:ln>
+        </p:spPr>
+        <p:style>
+          <a:lnRef idx="2">
+            <a:schemeClr val="accent1">
+              <a:shade val="50000"/>
+            </a:schemeClr>
+          </a:lnRef>
+          <a:fillRef idx="1">
+            <a:schemeClr val="accent1"/>
+          </a:fillRef>
+          <a:effectRef idx="0">
+            <a:schemeClr val="accent1"/>
+          </a:effectRef>
+          <a:fontRef idx="minor">
+            <a:schemeClr val="lt1"/>
+          </a:fontRef>
+        </p:style>
+        <p:txBody>
+          <a:bodyPr rtlCol="0" anchor="ctr"/>
+          <a:lstStyle/>
+          <a:p>
+            <a:pPr algn="ctr"/>
+            <a:endParaRPr lang="en-US"/>
+          </a:p>
+        </p:txBody>
+      </p:sp>
+      <p:sp>
+        <p:nvSpPr>
+          <p:cNvPr id="12" name="Rectangle 11">
+            <a:extLst>
+              <a:ext uri="{FF2B5EF4-FFF2-40B4-BE49-F238E27FC236}">
+                <a16:creationId xmlns:a16="http://schemas.microsoft.com/office/drawing/2014/main" id="{02F429C4-ABC9-46FC-818A-B5429CDE4A96}"/>
+              </a:ext>
+              <a:ext uri="{C183D7F6-B498-43B3-948B-1728B52AA6E4}">
+                <adec:decorative xmlns:adec="http://schemas.microsoft.com/office/drawing/2017/decorative" val="1"/>
+              </a:ext>
+            </a:extLst>
+          </p:cNvPr>
+          <p:cNvSpPr>
+            <a:spLocks noGrp="1" noRot="1" noChangeAspect="1" noMove="1" noResize="1" noEditPoints="1" noAdjustHandles="1" noChangeArrowheads="1" noChangeShapeType="1" noTextEdit="1"/>
+          </p:cNvSpPr>
+          <p:nvPr>
+            <p:extLst>
+              <p:ext uri="{386F3935-93C4-4BCD-93E2-E3B085C9AB24}">
+                <p16:designElem xmlns:p16="http://schemas.microsoft.com/office/powerpoint/2015/main" val="1"/>
+              </p:ext>
+            </p:extLst>
+          </p:nvPr>
+        </p:nvSpPr>
+        <p:spPr>
+          <a:xfrm rot="5400000">
+            <a:off x="-1270325" y="3369273"/>
+            <a:ext cx="3200400" cy="152382"/>
+          </a:xfrm>
+          <a:prstGeom prst="rect">
+            <a:avLst/>
+          </a:prstGeom>
+          <a:solidFill>
+            <a:schemeClr val="accent4"/>
+          </a:solidFill>
+          <a:ln>
+            <a:noFill/>
+          </a:ln>
+        </p:spPr>
+        <p:style>
+          <a:lnRef idx="2">
+            <a:schemeClr val="accent1">
+              <a:shade val="50000"/>
+            </a:schemeClr>
+          </a:lnRef>
+          <a:fillRef idx="1">
+            <a:schemeClr val="accent1"/>
+          </a:fillRef>
+          <a:effectRef idx="0">
+            <a:schemeClr val="accent1"/>
+          </a:effectRef>
+          <a:fontRef idx="minor">
+            <a:schemeClr val="lt1"/>
+          </a:fontRef>
+        </p:style>
+        <p:txBody>
+          <a:bodyPr rtlCol="0" anchor="ctr"/>
+          <a:lstStyle/>
+          <a:p>
+            <a:pPr algn="ctr"/>
+            <a:endParaRPr lang="en-US"/>
+          </a:p>
+        </p:txBody>
+      </p:sp>
+      <p:sp>
+        <p:nvSpPr>
+          <p:cNvPr id="14" name="Rectangle 13">
+            <a:extLst>
+              <a:ext uri="{FF2B5EF4-FFF2-40B4-BE49-F238E27FC236}">
+                <a16:creationId xmlns:a16="http://schemas.microsoft.com/office/drawing/2014/main" id="{2CEF98E4-3709-4952-8F42-2305CCE34FA3}"/>
+              </a:ext>
+              <a:ext uri="{C183D7F6-B498-43B3-948B-1728B52AA6E4}">
+                <adec:decorative xmlns:adec="http://schemas.microsoft.com/office/drawing/2017/decorative" val="1"/>
+              </a:ext>
+            </a:extLst>
+          </p:cNvPr>
+          <p:cNvSpPr>
+            <a:spLocks noGrp="1" noRot="1" noChangeAspect="1" noMove="1" noResize="1" noEditPoints="1" noAdjustHandles="1" noChangeArrowheads="1" noChangeShapeType="1" noTextEdit="1"/>
+          </p:cNvSpPr>
+          <p:nvPr>
+            <p:extLst>
+              <p:ext uri="{386F3935-93C4-4BCD-93E2-E3B085C9AB24}">
+                <p16:designElem xmlns:p16="http://schemas.microsoft.com/office/powerpoint/2015/main" val="1"/>
+              </p:ext>
+            </p:extLst>
+          </p:nvPr>
+        </p:nvSpPr>
+        <p:spPr>
+          <a:xfrm rot="16200000">
+            <a:off x="6374475" y="1040470"/>
+            <a:ext cx="6858003" cy="4777047"/>
+          </a:xfrm>
+          <a:prstGeom prst="rect">
+            <a:avLst/>
+          </a:prstGeom>
+          <a:solidFill>
+            <a:schemeClr val="accent4"/>
+          </a:solidFill>
+          <a:ln>
+            <a:noFill/>
+          </a:ln>
+        </p:spPr>
+        <p:style>
+          <a:lnRef idx="2">
+            <a:schemeClr val="accent1">
+              <a:shade val="50000"/>
+            </a:schemeClr>
+          </a:lnRef>
+          <a:fillRef idx="1">
+            <a:schemeClr val="accent1"/>
+          </a:fillRef>
+          <a:effectRef idx="0">
+            <a:schemeClr val="accent1"/>
+          </a:effectRef>
+          <a:fontRef idx="minor">
+            <a:schemeClr val="lt1"/>
+          </a:fontRef>
+        </p:style>
+        <p:txBody>
+          <a:bodyPr rtlCol="0" anchor="ctr"/>
+          <a:lstStyle/>
+          <a:p>
+            <a:pPr algn="ctr"/>
+            <a:endParaRPr lang="en-US" dirty="0"/>
+          </a:p>
+        </p:txBody>
+      </p:sp>
+      <p:sp>
+        <p:nvSpPr>
+          <p:cNvPr id="16" name="Rectangle 15">
+            <a:extLst>
+              <a:ext uri="{FF2B5EF4-FFF2-40B4-BE49-F238E27FC236}">
+                <a16:creationId xmlns:a16="http://schemas.microsoft.com/office/drawing/2014/main" id="{F10BCCF5-D685-47FF-B675-647EAEB72C8E}"/>
+              </a:ext>
+              <a:ext uri="{C183D7F6-B498-43B3-948B-1728B52AA6E4}">
+                <adec:decorative xmlns:adec="http://schemas.microsoft.com/office/drawing/2017/decorative" val="1"/>
+              </a:ext>
+            </a:extLst>
+          </p:cNvPr>
+          <p:cNvSpPr>
+            <a:spLocks noGrp="1" noRot="1" noChangeAspect="1" noMove="1" noResize="1" noEditPoints="1" noAdjustHandles="1" noChangeArrowheads="1" noChangeShapeType="1" noTextEdit="1"/>
+          </p:cNvSpPr>
+          <p:nvPr>
+            <p:extLst>
+              <p:ext uri="{386F3935-93C4-4BCD-93E2-E3B085C9AB24}">
+                <p16:designElem xmlns:p16="http://schemas.microsoft.com/office/powerpoint/2015/main" val="1"/>
+              </p:ext>
+            </p:extLst>
+          </p:nvPr>
+        </p:nvSpPr>
+        <p:spPr>
+          <a:xfrm>
+            <a:off x="387914" y="857786"/>
+            <a:ext cx="11067024" cy="5208932"/>
+          </a:xfrm>
+          <a:prstGeom prst="rect">
+            <a:avLst/>
+          </a:prstGeom>
+          <a:solidFill>
+            <a:schemeClr val="bg1"/>
+          </a:solidFill>
+          <a:ln>
+            <a:noFill/>
+          </a:ln>
+          <a:effectLst>
+            <a:outerShdw blurRad="139700" dist="127000" dir="5400000" algn="t" rotWithShape="0">
+              <a:prstClr val="black">
+                <a:alpha val="15000"/>
+              </a:prstClr>
+            </a:outerShdw>
+          </a:effectLst>
+        </p:spPr>
+        <p:style>
+          <a:lnRef idx="2">
+            <a:schemeClr val="accent1">
+              <a:shade val="50000"/>
+            </a:schemeClr>
+          </a:lnRef>
+          <a:fillRef idx="1">
+            <a:schemeClr val="accent1"/>
+          </a:fillRef>
+          <a:effectRef idx="0">
+            <a:schemeClr val="accent1"/>
+          </a:effectRef>
+          <a:fontRef idx="minor">
+            <a:schemeClr val="lt1"/>
+          </a:fontRef>
+        </p:style>
+        <p:txBody>
+          <a:bodyPr rtlCol="0" anchor="ctr"/>
+          <a:lstStyle/>
+          <a:p>
+            <a:pPr algn="ctr"/>
+            <a:endParaRPr lang="en-US"/>
+          </a:p>
+        </p:txBody>
+      </p:sp>
+      <p:sp>
+        <p:nvSpPr>
+          <p:cNvPr id="3" name="ZoneTexte 2">
+            <a:extLst>
+              <a:ext uri="{FF2B5EF4-FFF2-40B4-BE49-F238E27FC236}">
+                <a16:creationId xmlns:a16="http://schemas.microsoft.com/office/drawing/2014/main" id="{5499324B-21D2-0B92-1303-F25FB081ADC8}"/>
+              </a:ext>
+            </a:extLst>
+          </p:cNvPr>
+          <p:cNvSpPr txBox="1"/>
+          <p:nvPr/>
+        </p:nvSpPr>
+        <p:spPr>
+          <a:xfrm>
+            <a:off x="966278" y="2147302"/>
+            <a:ext cx="9910296" cy="2590027"/>
+          </a:xfrm>
+          <a:prstGeom prst="rect">
+            <a:avLst/>
+          </a:prstGeom>
+        </p:spPr>
+        <p:txBody>
+          <a:bodyPr vert="horz" lIns="91440" tIns="45720" rIns="91440" bIns="45720" rtlCol="0" anchor="t">
+            <a:normAutofit/>
+          </a:bodyPr>
+          <a:lstStyle/>
+          <a:p>
+            <a:pPr algn="ctr">
+              <a:lnSpc>
+                <a:spcPct val="90000"/>
+              </a:lnSpc>
+              <a:spcBef>
+                <a:spcPct val="0"/>
+              </a:spcBef>
+              <a:spcAft>
+                <a:spcPts val="600"/>
+              </a:spcAft>
+            </a:pPr>
+            <a:r>
+              <a:rPr lang="en-US" sz="8000" kern="1200" dirty="0">
+                <a:solidFill>
+                  <a:schemeClr val="tx1"/>
+                </a:solidFill>
+                <a:latin typeface="+mj-lt"/>
+                <a:ea typeface="+mj-ea"/>
+                <a:cs typeface="+mj-cs"/>
+              </a:rPr>
+              <a:t>MERCI DE VOTRE ATTENTION</a:t>
+            </a:r>
+          </a:p>
+        </p:txBody>
+      </p:sp>
+      <p:sp>
+        <p:nvSpPr>
+          <p:cNvPr id="18" name="Rectangle 17">
+            <a:extLst>
+              <a:ext uri="{FF2B5EF4-FFF2-40B4-BE49-F238E27FC236}">
+                <a16:creationId xmlns:a16="http://schemas.microsoft.com/office/drawing/2014/main" id="{B0EE8A42-107A-4D4C-8D56-BBAE95C7FC0D}"/>
+              </a:ext>
+              <a:ext uri="{C183D7F6-B498-43B3-948B-1728B52AA6E4}">
+                <adec:decorative xmlns:adec="http://schemas.microsoft.com/office/drawing/2017/decorative" val="1"/>
+              </a:ext>
+            </a:extLst>
+          </p:cNvPr>
+          <p:cNvSpPr>
+            <a:spLocks noGrp="1" noRot="1" noChangeAspect="1" noMove="1" noResize="1" noEditPoints="1" noAdjustHandles="1" noChangeArrowheads="1" noChangeShapeType="1" noTextEdit="1"/>
+          </p:cNvSpPr>
+          <p:nvPr>
+            <p:extLst>
+              <p:ext uri="{386F3935-93C4-4BCD-93E2-E3B085C9AB24}">
+                <p16:designElem xmlns:p16="http://schemas.microsoft.com/office/powerpoint/2015/main" val="1"/>
+              </p:ext>
+            </p:extLst>
+          </p:nvPr>
+        </p:nvSpPr>
+        <p:spPr>
+          <a:xfrm rot="5400000">
+            <a:off x="-1524009" y="3366125"/>
+            <a:ext cx="3200400" cy="152382"/>
+          </a:xfrm>
+          <a:prstGeom prst="rect">
+            <a:avLst/>
+          </a:prstGeom>
+          <a:solidFill>
+            <a:schemeClr val="accent4"/>
+          </a:solidFill>
+          <a:ln>
+            <a:noFill/>
+          </a:ln>
+        </p:spPr>
+        <p:style>
+          <a:lnRef idx="2">
+            <a:schemeClr val="accent1">
+              <a:shade val="50000"/>
+            </a:schemeClr>
+          </a:lnRef>
+          <a:fillRef idx="1">
+            <a:schemeClr val="accent1"/>
+          </a:fillRef>
+          <a:effectRef idx="0">
+            <a:schemeClr val="accent1"/>
+          </a:effectRef>
+          <a:fontRef idx="minor">
+            <a:schemeClr val="lt1"/>
+          </a:fontRef>
+        </p:style>
+        <p:txBody>
+          <a:bodyPr rtlCol="0" anchor="ctr"/>
+          <a:lstStyle/>
+          <a:p>
+            <a:pPr algn="ctr"/>
+            <a:endParaRPr lang="en-US"/>
+          </a:p>
+        </p:txBody>
+      </p:sp>
+    </p:spTree>
+    <p:extLst>
+      <p:ext uri="{BB962C8B-B14F-4D97-AF65-F5344CB8AC3E}">
+        <p14:creationId xmlns:p14="http://schemas.microsoft.com/office/powerpoint/2010/main" val="3975244757"/>
+      </p:ext>
+    </p:extLst>
+  </p:cSld>
+  <p:clrMapOvr>
+    <a:masterClrMapping/>
+  </p:clrMapOvr>
+</p:sld>
+</file>
+
+<file path=ppt/slides/slide2.xml><?xml version="1.0" encoding="utf-8"?>
+<p:sld xmlns:a="http://schemas.openxmlformats.org/drawingml/2006/main" xmlns:r="http://schemas.openxmlformats.org/officeDocument/2006/relationships" xmlns:p="http://schemas.openxmlformats.org/presentationml/2006/main">
+  <p:cSld name="Slide 1">
+    <p:bg>
+      <p:bgPr>
+        <a:blipFill dpi="0" rotWithShape="1">
+          <a:blip r:embed="rId3">
             <a:lum/>
           </a:blip>
           <a:srcRect/>
@@ -2539,11 +3163,11 @@
 
 <file path=ppt/slides/slide3.xml><?xml version="1.0" encoding="utf-8"?>
 <p:sld xmlns:a="http://schemas.openxmlformats.org/drawingml/2006/main" xmlns:r="http://schemas.openxmlformats.org/officeDocument/2006/relationships" xmlns:p="http://schemas.openxmlformats.org/presentationml/2006/main">
-  <p:cSld name="Slide 3">
+  <p:cSld name="Slide 2">
     <p:bg>
       <p:bgPr>
         <a:blipFill dpi="0" rotWithShape="1">
-          <a:blip r:embed="rId1">
+          <a:blip r:embed="rId3">
             <a:lum/>
           </a:blip>
           <a:srcRect/>
@@ -2578,11 +3202,11 @@
 
 <file path=ppt/slides/slide4.xml><?xml version="1.0" encoding="utf-8"?>
 <p:sld xmlns:a="http://schemas.openxmlformats.org/drawingml/2006/main" xmlns:r="http://schemas.openxmlformats.org/officeDocument/2006/relationships" xmlns:p="http://schemas.openxmlformats.org/presentationml/2006/main">
-  <p:cSld name="Slide 4">
+  <p:cSld name="Slide 3">
     <p:bg>
       <p:bgPr>
         <a:blipFill dpi="0" rotWithShape="1">
-          <a:blip r:embed="rId1">
+          <a:blip r:embed="rId3">
             <a:lum/>
           </a:blip>
           <a:srcRect/>
@@ -2617,11 +3241,11 @@
 
 <file path=ppt/slides/slide5.xml><?xml version="1.0" encoding="utf-8"?>
 <p:sld xmlns:a="http://schemas.openxmlformats.org/drawingml/2006/main" xmlns:r="http://schemas.openxmlformats.org/officeDocument/2006/relationships" xmlns:p="http://schemas.openxmlformats.org/presentationml/2006/main">
-  <p:cSld name="Slide 5">
+  <p:cSld name="Slide 4">
     <p:bg>
       <p:bgPr>
         <a:blipFill dpi="0" rotWithShape="1">
-          <a:blip r:embed="rId1">
+          <a:blip r:embed="rId3">
             <a:lum/>
           </a:blip>
           <a:srcRect/>
@@ -2656,11 +3280,11 @@
 
 <file path=ppt/slides/slide6.xml><?xml version="1.0" encoding="utf-8"?>
 <p:sld xmlns:a="http://schemas.openxmlformats.org/drawingml/2006/main" xmlns:r="http://schemas.openxmlformats.org/officeDocument/2006/relationships" xmlns:p="http://schemas.openxmlformats.org/presentationml/2006/main">
-  <p:cSld name="Slide 6">
+  <p:cSld name="Slide 5">
     <p:bg>
       <p:bgPr>
         <a:blipFill dpi="0" rotWithShape="1">
-          <a:blip r:embed="rId1">
+          <a:blip r:embed="rId3">
             <a:lum/>
           </a:blip>
           <a:srcRect/>
@@ -2695,11 +3319,11 @@
 
 <file path=ppt/slides/slide7.xml><?xml version="1.0" encoding="utf-8"?>
 <p:sld xmlns:a="http://schemas.openxmlformats.org/drawingml/2006/main" xmlns:r="http://schemas.openxmlformats.org/officeDocument/2006/relationships" xmlns:p="http://schemas.openxmlformats.org/presentationml/2006/main">
-  <p:cSld name="Slide 7">
+  <p:cSld name="Slide 6">
     <p:bg>
       <p:bgPr>
         <a:blipFill dpi="0" rotWithShape="1">
-          <a:blip r:embed="rId1">
+          <a:blip r:embed="rId3">
             <a:lum/>
           </a:blip>
           <a:srcRect/>
@@ -2734,11 +3358,11 @@
 
 <file path=ppt/slides/slide8.xml><?xml version="1.0" encoding="utf-8"?>
 <p:sld xmlns:a="http://schemas.openxmlformats.org/drawingml/2006/main" xmlns:r="http://schemas.openxmlformats.org/officeDocument/2006/relationships" xmlns:p="http://schemas.openxmlformats.org/presentationml/2006/main">
-  <p:cSld name="Slide 8">
+  <p:cSld name="Slide 7">
     <p:bg>
       <p:bgPr>
         <a:blipFill dpi="0" rotWithShape="1">
-          <a:blip r:embed="rId1">
+          <a:blip r:embed="rId3">
             <a:lum/>
           </a:blip>
           <a:srcRect/>
@@ -2773,11 +3397,11 @@
 
 <file path=ppt/slides/slide9.xml><?xml version="1.0" encoding="utf-8"?>
 <p:sld xmlns:a="http://schemas.openxmlformats.org/drawingml/2006/main" xmlns:r="http://schemas.openxmlformats.org/officeDocument/2006/relationships" xmlns:p="http://schemas.openxmlformats.org/presentationml/2006/main">
-  <p:cSld name="Slide 9">
+  <p:cSld name="Slide 8">
     <p:bg>
       <p:bgPr>
         <a:blipFill dpi="0" rotWithShape="1">
-          <a:blip r:embed="rId1">
+          <a:blip r:embed="rId3">
             <a:lum/>
           </a:blip>
           <a:srcRect/>
@@ -3103,4 +3727,319 @@
     </a:ext>
   </a:extLst>
 </a:theme>
+</file>
+
+<file path=ppt/theme/theme2.xml><?xml version="1.0" encoding="utf-8"?>
+<a:theme xmlns:a="http://schemas.openxmlformats.org/drawingml/2006/main" name="Thème Office">
+  <a:themeElements>
+    <a:clrScheme name="Office">
+      <a:dk1>
+        <a:sysClr val="windowText" lastClr="000000"/>
+      </a:dk1>
+      <a:lt1>
+        <a:sysClr val="window" lastClr="FFFFFF"/>
+      </a:lt1>
+      <a:dk2>
+        <a:srgbClr val="0E2841"/>
+      </a:dk2>
+      <a:lt2>
+        <a:srgbClr val="E8E8E8"/>
+      </a:lt2>
+      <a:accent1>
+        <a:srgbClr val="156082"/>
+      </a:accent1>
+      <a:accent2>
+        <a:srgbClr val="E97132"/>
+      </a:accent2>
+      <a:accent3>
+        <a:srgbClr val="196B24"/>
+      </a:accent3>
+      <a:accent4>
+        <a:srgbClr val="0F9ED5"/>
+      </a:accent4>
+      <a:accent5>
+        <a:srgbClr val="A02B93"/>
+      </a:accent5>
+      <a:accent6>
+        <a:srgbClr val="4EA72E"/>
+      </a:accent6>
+      <a:hlink>
+        <a:srgbClr val="467886"/>
+      </a:hlink>
+      <a:folHlink>
+        <a:srgbClr val="96607D"/>
+      </a:folHlink>
+    </a:clrScheme>
+    <a:fontScheme name="Office">
+      <a:majorFont>
+        <a:latin typeface="Aptos Display" panose="02110004020202020204"/>
+        <a:ea typeface=""/>
+        <a:cs typeface=""/>
+        <a:font script="Jpan" typeface="游ゴシック Light"/>
+        <a:font script="Hang" typeface="맑은 고딕"/>
+        <a:font script="Hans" typeface="等线 Light"/>
+        <a:font script="Hant" typeface="新細明體"/>
+        <a:font script="Arab" typeface="Times New Roman"/>
+        <a:font script="Hebr" typeface="Times New Roman"/>
+        <a:font script="Thai" typeface="Angsana New"/>
+        <a:font script="Ethi" typeface="Nyala"/>
+        <a:font script="Beng" typeface="Vrinda"/>
+        <a:font script="Gujr" typeface="Shruti"/>
+        <a:font script="Khmr" typeface="MoolBoran"/>
+        <a:font script="Knda" typeface="Tunga"/>
+        <a:font script="Guru" typeface="Raavi"/>
+        <a:font script="Cans" typeface="Euphemia"/>
+        <a:font script="Cher" typeface="Plantagenet Cherokee"/>
+        <a:font script="Yiii" typeface="Microsoft Yi Baiti"/>
+        <a:font script="Tibt" typeface="Microsoft Himalaya"/>
+        <a:font script="Thaa" typeface="MV Boli"/>
+        <a:font script="Deva" typeface="Mangal"/>
+        <a:font script="Telu" typeface="Gautami"/>
+        <a:font script="Taml" typeface="Latha"/>
+        <a:font script="Syrc" typeface="Estrangelo Edessa"/>
+        <a:font script="Orya" typeface="Kalinga"/>
+        <a:font script="Mlym" typeface="Kartika"/>
+        <a:font script="Laoo" typeface="DokChampa"/>
+        <a:font script="Sinh" typeface="Iskoola Pota"/>
+        <a:font script="Mong" typeface="Mongolian Baiti"/>
+        <a:font script="Viet" typeface="Times New Roman"/>
+        <a:font script="Uigh" typeface="Microsoft Uighur"/>
+        <a:font script="Geor" typeface="Sylfaen"/>
+        <a:font script="Armn" typeface="Arial"/>
+        <a:font script="Bugi" typeface="Leelawadee UI"/>
+        <a:font script="Bopo" typeface="Microsoft JhengHei"/>
+        <a:font script="Java" typeface="Javanese Text"/>
+        <a:font script="Lisu" typeface="Segoe UI"/>
+        <a:font script="Mymr" typeface="Myanmar Text"/>
+        <a:font script="Nkoo" typeface="Ebrima"/>
+        <a:font script="Olck" typeface="Nirmala UI"/>
+        <a:font script="Osma" typeface="Ebrima"/>
+        <a:font script="Phag" typeface="Phagspa"/>
+        <a:font script="Syrn" typeface="Estrangelo Edessa"/>
+        <a:font script="Syrj" typeface="Estrangelo Edessa"/>
+        <a:font script="Syre" typeface="Estrangelo Edessa"/>
+        <a:font script="Sora" typeface="Nirmala UI"/>
+        <a:font script="Tale" typeface="Microsoft Tai Le"/>
+        <a:font script="Talu" typeface="Microsoft New Tai Lue"/>
+        <a:font script="Tfng" typeface="Ebrima"/>
+      </a:majorFont>
+      <a:minorFont>
+        <a:latin typeface="Aptos" panose="02110004020202020204"/>
+        <a:ea typeface=""/>
+        <a:cs typeface=""/>
+        <a:font script="Jpan" typeface="游ゴシック"/>
+        <a:font script="Hang" typeface="맑은 고딕"/>
+        <a:font script="Hans" typeface="等线"/>
+        <a:font script="Hant" typeface="新細明體"/>
+        <a:font script="Arab" typeface="Arial"/>
+        <a:font script="Hebr" typeface="Arial"/>
+        <a:font script="Thai" typeface="Cordia New"/>
+        <a:font script="Ethi" typeface="Nyala"/>
+        <a:font script="Beng" typeface="Vrinda"/>
+        <a:font script="Gujr" typeface="Shruti"/>
+        <a:font script="Khmr" typeface="DaunPenh"/>
+        <a:font script="Knda" typeface="Tunga"/>
+        <a:font script="Guru" typeface="Raavi"/>
+        <a:font script="Cans" typeface="Euphemia"/>
+        <a:font script="Cher" typeface="Plantagenet Cherokee"/>
+        <a:font script="Yiii" typeface="Microsoft Yi Baiti"/>
+        <a:font script="Tibt" typeface="Microsoft Himalaya"/>
+        <a:font script="Thaa" typeface="MV Boli"/>
+        <a:font script="Deva" typeface="Mangal"/>
+        <a:font script="Telu" typeface="Gautami"/>
+        <a:font script="Taml" typeface="Latha"/>
+        <a:font script="Syrc" typeface="Estrangelo Edessa"/>
+        <a:font script="Orya" typeface="Kalinga"/>
+        <a:font script="Mlym" typeface="Kartika"/>
+        <a:font script="Laoo" typeface="DokChampa"/>
+        <a:font script="Sinh" typeface="Iskoola Pota"/>
+        <a:font script="Mong" typeface="Mongolian Baiti"/>
+        <a:font script="Viet" typeface="Arial"/>
+        <a:font script="Uigh" typeface="Microsoft Uighur"/>
+        <a:font script="Geor" typeface="Sylfaen"/>
+        <a:font script="Armn" typeface="Arial"/>
+        <a:font script="Bugi" typeface="Leelawadee UI"/>
+        <a:font script="Bopo" typeface="Microsoft JhengHei"/>
+        <a:font script="Java" typeface="Javanese Text"/>
+        <a:font script="Lisu" typeface="Segoe UI"/>
+        <a:font script="Mymr" typeface="Myanmar Text"/>
+        <a:font script="Nkoo" typeface="Ebrima"/>
+        <a:font script="Olck" typeface="Nirmala UI"/>
+        <a:font script="Osma" typeface="Ebrima"/>
+        <a:font script="Phag" typeface="Phagspa"/>
+        <a:font script="Syrn" typeface="Estrangelo Edessa"/>
+        <a:font script="Syrj" typeface="Estrangelo Edessa"/>
+        <a:font script="Syre" typeface="Estrangelo Edessa"/>
+        <a:font script="Sora" typeface="Nirmala UI"/>
+        <a:font script="Tale" typeface="Microsoft Tai Le"/>
+        <a:font script="Talu" typeface="Microsoft New Tai Lue"/>
+        <a:font script="Tfng" typeface="Ebrima"/>
+      </a:minorFont>
+    </a:fontScheme>
+    <a:fmtScheme name="Office">
+      <a:fillStyleLst>
+        <a:solidFill>
+          <a:schemeClr val="phClr"/>
+        </a:solidFill>
+        <a:gradFill rotWithShape="1">
+          <a:gsLst>
+            <a:gs pos="0">
+              <a:schemeClr val="phClr">
+                <a:lumMod val="110000"/>
+                <a:satMod val="105000"/>
+                <a:tint val="67000"/>
+              </a:schemeClr>
+            </a:gs>
+            <a:gs pos="50000">
+              <a:schemeClr val="phClr">
+                <a:lumMod val="105000"/>
+                <a:satMod val="103000"/>
+                <a:tint val="73000"/>
+              </a:schemeClr>
+            </a:gs>
+            <a:gs pos="100000">
+              <a:schemeClr val="phClr">
+                <a:lumMod val="105000"/>
+                <a:satMod val="109000"/>
+                <a:tint val="81000"/>
+              </a:schemeClr>
+            </a:gs>
+          </a:gsLst>
+          <a:lin ang="5400000" scaled="0"/>
+        </a:gradFill>
+        <a:gradFill rotWithShape="1">
+          <a:gsLst>
+            <a:gs pos="0">
+              <a:schemeClr val="phClr">
+                <a:satMod val="103000"/>
+                <a:lumMod val="102000"/>
+                <a:tint val="94000"/>
+              </a:schemeClr>
+            </a:gs>
+            <a:gs pos="50000">
+              <a:schemeClr val="phClr">
+                <a:satMod val="110000"/>
+                <a:lumMod val="100000"/>
+                <a:shade val="100000"/>
+              </a:schemeClr>
+            </a:gs>
+            <a:gs pos="100000">
+              <a:schemeClr val="phClr">
+                <a:lumMod val="99000"/>
+                <a:satMod val="120000"/>
+                <a:shade val="78000"/>
+              </a:schemeClr>
+            </a:gs>
+          </a:gsLst>
+          <a:lin ang="5400000" scaled="0"/>
+        </a:gradFill>
+      </a:fillStyleLst>
+      <a:lnStyleLst>
+        <a:ln w="12700" cap="flat" cmpd="sng" algn="ctr">
+          <a:solidFill>
+            <a:schemeClr val="phClr"/>
+          </a:solidFill>
+          <a:prstDash val="solid"/>
+          <a:miter lim="800000"/>
+        </a:ln>
+        <a:ln w="19050" cap="flat" cmpd="sng" algn="ctr">
+          <a:solidFill>
+            <a:schemeClr val="phClr"/>
+          </a:solidFill>
+          <a:prstDash val="solid"/>
+          <a:miter lim="800000"/>
+        </a:ln>
+        <a:ln w="25400" cap="flat" cmpd="sng" algn="ctr">
+          <a:solidFill>
+            <a:schemeClr val="phClr"/>
+          </a:solidFill>
+          <a:prstDash val="solid"/>
+          <a:miter lim="800000"/>
+        </a:ln>
+      </a:lnStyleLst>
+      <a:effectStyleLst>
+        <a:effectStyle>
+          <a:effectLst/>
+        </a:effectStyle>
+        <a:effectStyle>
+          <a:effectLst/>
+        </a:effectStyle>
+        <a:effectStyle>
+          <a:effectLst>
+            <a:outerShdw blurRad="57150" dist="19050" dir="5400000" algn="ctr" rotWithShape="0">
+              <a:srgbClr val="000000">
+                <a:alpha val="63000"/>
+              </a:srgbClr>
+            </a:outerShdw>
+          </a:effectLst>
+        </a:effectStyle>
+      </a:effectStyleLst>
+      <a:bgFillStyleLst>
+        <a:solidFill>
+          <a:schemeClr val="phClr"/>
+        </a:solidFill>
+        <a:solidFill>
+          <a:schemeClr val="phClr">
+            <a:tint val="95000"/>
+            <a:satMod val="170000"/>
+          </a:schemeClr>
+        </a:solidFill>
+        <a:gradFill rotWithShape="1">
+          <a:gsLst>
+            <a:gs pos="0">
+              <a:schemeClr val="phClr">
+                <a:tint val="93000"/>
+                <a:satMod val="150000"/>
+                <a:shade val="98000"/>
+                <a:lumMod val="102000"/>
+              </a:schemeClr>
+            </a:gs>
+            <a:gs pos="50000">
+              <a:schemeClr val="phClr">
+                <a:tint val="98000"/>
+                <a:satMod val="130000"/>
+                <a:shade val="90000"/>
+                <a:lumMod val="103000"/>
+              </a:schemeClr>
+            </a:gs>
+            <a:gs pos="100000">
+              <a:schemeClr val="phClr">
+                <a:shade val="63000"/>
+                <a:satMod val="120000"/>
+              </a:schemeClr>
+            </a:gs>
+          </a:gsLst>
+          <a:lin ang="5400000" scaled="0"/>
+        </a:gradFill>
+      </a:bgFillStyleLst>
+    </a:fmtScheme>
+  </a:themeElements>
+  <a:objectDefaults>
+    <a:lnDef>
+      <a:spPr/>
+      <a:bodyPr/>
+      <a:lstStyle/>
+      <a:style>
+        <a:lnRef idx="2">
+          <a:schemeClr val="accent1"/>
+        </a:lnRef>
+        <a:fillRef idx="0">
+          <a:schemeClr val="accent1"/>
+        </a:fillRef>
+        <a:effectRef idx="1">
+          <a:schemeClr val="accent1"/>
+        </a:effectRef>
+        <a:fontRef idx="minor">
+          <a:schemeClr val="tx1"/>
+        </a:fontRef>
+      </a:style>
+    </a:lnDef>
+  </a:objectDefaults>
+  <a:extraClrSchemeLst/>
+  <a:extLst>
+    <a:ext uri="{05A4C25C-085E-4340-85A3-A5531E510DB2}">
+      <thm15:themeFamily xmlns:thm15="http://schemas.microsoft.com/office/thememl/2012/main" name="Office Theme" id="{2E142A2C-CD16-42D6-873A-C26D2A0506FA}" vid="{1BDDFF52-6CD6-40A5-AB3C-68EB2F1E4D0A}"/>
+    </a:ext>
+  </a:extLst>
+</a:theme>
 </file>
--- a/PRESENTATION_BACKEND.pptx
+++ b/PRESENTATION_BACKEND.pptx
@@ -5,7 +5,7 @@
     <p:sldMasterId id="2147483648" r:id="rId1"/>
   </p:sldMasterIdLst>
   <p:notesMasterIdLst>
-    <p:notesMasterId r:id="rId20"/>
+    <p:notesMasterId r:id="rId21"/>
   </p:notesMasterIdLst>
   <p:sldIdLst>
     <p:sldId id="273" r:id="rId2"/>
@@ -25,7 +25,8 @@
     <p:sldId id="269" r:id="rId16"/>
     <p:sldId id="270" r:id="rId17"/>
     <p:sldId id="271" r:id="rId18"/>
-    <p:sldId id="272" r:id="rId19"/>
+    <p:sldId id="274" r:id="rId19"/>
+    <p:sldId id="272" r:id="rId20"/>
   </p:sldIdLst>
   <p:sldSz cx="12192000" cy="6858000"/>
   <p:notesSz cx="6858000" cy="12192000"/>
@@ -127,6 +128,107 @@
     </p:ext>
   </p:extLst>
 </p:presentation>
+</file>
+
+<file path=ppt/revisionInfo.xml><?xml version="1.0" encoding="utf-8"?>
+<p1510:revInfo xmlns:a="http://schemas.openxmlformats.org/drawingml/2006/main" xmlns:r="http://schemas.openxmlformats.org/officeDocument/2006/relationships" xmlns:p1510="http://schemas.microsoft.com/office/powerpoint/2015/10/main">
+  <p1510:revLst>
+    <p1510:client id="{70895A78-70E2-48BA-ADB1-1ED31C9CA565}" v="1" dt="2025-11-28T12:29:40.927"/>
+  </p1510:revLst>
+</p1510:revInfo>
+</file>
+
+<file path=ppt/changesInfos/changesInfo1.xml><?xml version="1.0" encoding="utf-8"?>
+<pc:chgInfo xmlns:a="http://schemas.openxmlformats.org/drawingml/2006/main" xmlns:r="http://schemas.openxmlformats.org/officeDocument/2006/relationships" xmlns:ac="http://schemas.microsoft.com/office/drawing/2013/main/command" xmlns:pc="http://schemas.microsoft.com/office/powerpoint/2013/main/command">
+  <pc:docChgLst>
+    <pc:chgData name="Tiago DA COSTA" userId="036dced3-816d-405f-b04e-e233882c0a59" providerId="ADAL" clId="{2FA1E456-9572-4616-82AF-B4026B673800}"/>
+    <pc:docChg chg="custSel addSld modSld sldOrd">
+      <pc:chgData name="Tiago DA COSTA" userId="036dced3-816d-405f-b04e-e233882c0a59" providerId="ADAL" clId="{2FA1E456-9572-4616-82AF-B4026B673800}" dt="2025-11-28T12:30:25.345" v="29" actId="26606"/>
+      <pc:docMkLst>
+        <pc:docMk/>
+      </pc:docMkLst>
+      <pc:sldChg chg="addSp delSp modSp add mod ord setBg delDesignElem">
+        <pc:chgData name="Tiago DA COSTA" userId="036dced3-816d-405f-b04e-e233882c0a59" providerId="ADAL" clId="{2FA1E456-9572-4616-82AF-B4026B673800}" dt="2025-11-28T12:30:25.345" v="29" actId="26606"/>
+        <pc:sldMkLst>
+          <pc:docMk/>
+          <pc:sldMk cId="4117207123" sldId="274"/>
+        </pc:sldMkLst>
+        <pc:spChg chg="mod">
+          <ac:chgData name="Tiago DA COSTA" userId="036dced3-816d-405f-b04e-e233882c0a59" providerId="ADAL" clId="{2FA1E456-9572-4616-82AF-B4026B673800}" dt="2025-11-28T12:30:25.345" v="29" actId="26606"/>
+          <ac:spMkLst>
+            <pc:docMk/>
+            <pc:sldMk cId="4117207123" sldId="274"/>
+            <ac:spMk id="3" creationId="{19C52494-D0DA-4D3A-FC93-157E09908D08}"/>
+          </ac:spMkLst>
+        </pc:spChg>
+        <pc:spChg chg="add">
+          <ac:chgData name="Tiago DA COSTA" userId="036dced3-816d-405f-b04e-e233882c0a59" providerId="ADAL" clId="{2FA1E456-9572-4616-82AF-B4026B673800}" dt="2025-11-28T12:30:25.345" v="29" actId="26606"/>
+          <ac:spMkLst>
+            <pc:docMk/>
+            <pc:sldMk cId="4117207123" sldId="274"/>
+            <ac:spMk id="5" creationId="{827DC2C4-B485-428A-BF4A-472D2967F47F}"/>
+          </ac:spMkLst>
+        </pc:spChg>
+        <pc:spChg chg="add">
+          <ac:chgData name="Tiago DA COSTA" userId="036dced3-816d-405f-b04e-e233882c0a59" providerId="ADAL" clId="{2FA1E456-9572-4616-82AF-B4026B673800}" dt="2025-11-28T12:30:25.345" v="29" actId="26606"/>
+          <ac:spMkLst>
+            <pc:docMk/>
+            <pc:sldMk cId="4117207123" sldId="274"/>
+            <ac:spMk id="6" creationId="{EE04B5EB-F158-4507-90DD-BD23620C7CC9}"/>
+          </ac:spMkLst>
+        </pc:spChg>
+        <pc:spChg chg="add">
+          <ac:chgData name="Tiago DA COSTA" userId="036dced3-816d-405f-b04e-e233882c0a59" providerId="ADAL" clId="{2FA1E456-9572-4616-82AF-B4026B673800}" dt="2025-11-28T12:30:25.345" v="29" actId="26606"/>
+          <ac:spMkLst>
+            <pc:docMk/>
+            <pc:sldMk cId="4117207123" sldId="274"/>
+            <ac:spMk id="8" creationId="{934F1179-B481-4F9E-BCA3-AFB972070F83}"/>
+          </ac:spMkLst>
+        </pc:spChg>
+        <pc:spChg chg="del">
+          <ac:chgData name="Tiago DA COSTA" userId="036dced3-816d-405f-b04e-e233882c0a59" providerId="ADAL" clId="{2FA1E456-9572-4616-82AF-B4026B673800}" dt="2025-11-28T12:29:40.925" v="1"/>
+          <ac:spMkLst>
+            <pc:docMk/>
+            <pc:sldMk cId="4117207123" sldId="274"/>
+            <ac:spMk id="10" creationId="{556F8D43-3F64-06E0-9218-E59ED2C15A60}"/>
+          </ac:spMkLst>
+        </pc:spChg>
+        <pc:spChg chg="del">
+          <ac:chgData name="Tiago DA COSTA" userId="036dced3-816d-405f-b04e-e233882c0a59" providerId="ADAL" clId="{2FA1E456-9572-4616-82AF-B4026B673800}" dt="2025-11-28T12:29:40.925" v="1"/>
+          <ac:spMkLst>
+            <pc:docMk/>
+            <pc:sldMk cId="4117207123" sldId="274"/>
+            <ac:spMk id="12" creationId="{5333636E-B258-0F46-35F6-529A0FD8AFB3}"/>
+          </ac:spMkLst>
+        </pc:spChg>
+        <pc:spChg chg="del">
+          <ac:chgData name="Tiago DA COSTA" userId="036dced3-816d-405f-b04e-e233882c0a59" providerId="ADAL" clId="{2FA1E456-9572-4616-82AF-B4026B673800}" dt="2025-11-28T12:29:40.925" v="1"/>
+          <ac:spMkLst>
+            <pc:docMk/>
+            <pc:sldMk cId="4117207123" sldId="274"/>
+            <ac:spMk id="14" creationId="{21AEF65C-3310-7F4C-5453-E945A7A83935}"/>
+          </ac:spMkLst>
+        </pc:spChg>
+        <pc:spChg chg="del">
+          <ac:chgData name="Tiago DA COSTA" userId="036dced3-816d-405f-b04e-e233882c0a59" providerId="ADAL" clId="{2FA1E456-9572-4616-82AF-B4026B673800}" dt="2025-11-28T12:29:40.925" v="1"/>
+          <ac:spMkLst>
+            <pc:docMk/>
+            <pc:sldMk cId="4117207123" sldId="274"/>
+            <ac:spMk id="16" creationId="{D7296D8E-64AD-FD08-CFC0-A9AA2C3E7646}"/>
+          </ac:spMkLst>
+        </pc:spChg>
+        <pc:spChg chg="del">
+          <ac:chgData name="Tiago DA COSTA" userId="036dced3-816d-405f-b04e-e233882c0a59" providerId="ADAL" clId="{2FA1E456-9572-4616-82AF-B4026B673800}" dt="2025-11-28T12:29:40.925" v="1"/>
+          <ac:spMkLst>
+            <pc:docMk/>
+            <pc:sldMk cId="4117207123" sldId="274"/>
+            <ac:spMk id="18" creationId="{881544B8-58AF-590D-BF06-304429DCE12F}"/>
+          </ac:spMkLst>
+        </pc:spChg>
+      </pc:sldChg>
+    </pc:docChg>
+  </pc:docChgLst>
+</pc:chgInfo>
 </file>
 
 <file path=ppt/notesMasters/notesMaster1.xml><?xml version="1.0" encoding="utf-8"?>
@@ -2714,6 +2816,315 @@
 </file>
 
 <file path=ppt/slides/slide18.xml><?xml version="1.0" encoding="utf-8"?>
+<p:sld xmlns:a="http://schemas.openxmlformats.org/drawingml/2006/main" xmlns:r="http://schemas.openxmlformats.org/officeDocument/2006/relationships" xmlns:p="http://schemas.openxmlformats.org/presentationml/2006/main">
+  <p:cSld>
+    <p:bg>
+      <p:bgPr>
+        <a:solidFill>
+          <a:schemeClr val="bg1"/>
+        </a:solidFill>
+        <a:effectLst/>
+      </p:bgPr>
+    </p:bg>
+    <p:spTree>
+      <p:nvGrpSpPr>
+        <p:cNvPr id="1" name="">
+          <a:extLst>
+            <a:ext uri="{FF2B5EF4-FFF2-40B4-BE49-F238E27FC236}">
+              <a16:creationId xmlns:a16="http://schemas.microsoft.com/office/drawing/2014/main" id="{F3D547E5-A3BB-F4E0-E8C0-665B23EE6C4B}"/>
+            </a:ext>
+          </a:extLst>
+        </p:cNvPr>
+        <p:cNvGrpSpPr/>
+        <p:nvPr/>
+      </p:nvGrpSpPr>
+      <p:grpSpPr>
+        <a:xfrm>
+          <a:off x="0" y="0"/>
+          <a:ext cx="0" cy="0"/>
+          <a:chOff x="0" y="0"/>
+          <a:chExt cx="0" cy="0"/>
+        </a:xfrm>
+      </p:grpSpPr>
+      <p:sp useBgFill="1">
+        <p:nvSpPr>
+          <p:cNvPr id="8" name="Rectangle 7">
+            <a:extLst>
+              <a:ext uri="{FF2B5EF4-FFF2-40B4-BE49-F238E27FC236}">
+                <a16:creationId xmlns:a16="http://schemas.microsoft.com/office/drawing/2014/main" id="{934F1179-B481-4F9E-BCA3-AFB972070F83}"/>
+              </a:ext>
+              <a:ext uri="{C183D7F6-B498-43B3-948B-1728B52AA6E4}">
+                <adec:decorative xmlns:adec="http://schemas.microsoft.com/office/drawing/2017/decorative" val="1"/>
+              </a:ext>
+            </a:extLst>
+          </p:cNvPr>
+          <p:cNvSpPr>
+            <a:spLocks noGrp="1" noRot="1" noChangeAspect="1" noMove="1" noResize="1" noEditPoints="1" noAdjustHandles="1" noChangeArrowheads="1" noChangeShapeType="1" noTextEdit="1"/>
+          </p:cNvSpPr>
+          <p:nvPr>
+            <p:extLst>
+              <p:ext uri="{386F3935-93C4-4BCD-93E2-E3B085C9AB24}">
+                <p16:designElem xmlns:p16="http://schemas.microsoft.com/office/powerpoint/2015/main" val="1"/>
+              </p:ext>
+            </p:extLst>
+          </p:nvPr>
+        </p:nvSpPr>
+        <p:spPr>
+          <a:xfrm>
+            <a:off x="0" y="0"/>
+            <a:ext cx="12192000" cy="6858000"/>
+          </a:xfrm>
+          <a:prstGeom prst="rect">
+            <a:avLst/>
+          </a:prstGeom>
+          <a:ln>
+            <a:noFill/>
+          </a:ln>
+        </p:spPr>
+        <p:style>
+          <a:lnRef idx="2">
+            <a:schemeClr val="accent1">
+              <a:shade val="50000"/>
+            </a:schemeClr>
+          </a:lnRef>
+          <a:fillRef idx="1">
+            <a:schemeClr val="accent1"/>
+          </a:fillRef>
+          <a:effectRef idx="0">
+            <a:schemeClr val="accent1"/>
+          </a:effectRef>
+          <a:fontRef idx="minor">
+            <a:schemeClr val="lt1"/>
+          </a:fontRef>
+        </p:style>
+        <p:txBody>
+          <a:bodyPr rtlCol="0" anchor="ctr"/>
+          <a:lstStyle/>
+          <a:p>
+            <a:pPr algn="ctr"/>
+            <a:endParaRPr lang="en-US"/>
+          </a:p>
+        </p:txBody>
+      </p:sp>
+      <p:sp>
+        <p:nvSpPr>
+          <p:cNvPr id="5" name="Right Triangle 9">
+            <a:extLst>
+              <a:ext uri="{FF2B5EF4-FFF2-40B4-BE49-F238E27FC236}">
+                <a16:creationId xmlns:a16="http://schemas.microsoft.com/office/drawing/2014/main" id="{827DC2C4-B485-428A-BF4A-472D2967F47F}"/>
+              </a:ext>
+              <a:ext uri="{C183D7F6-B498-43B3-948B-1728B52AA6E4}">
+                <adec:decorative xmlns:adec="http://schemas.microsoft.com/office/drawing/2017/decorative" val="1"/>
+              </a:ext>
+            </a:extLst>
+          </p:cNvPr>
+          <p:cNvSpPr>
+            <a:spLocks noGrp="1" noRot="1" noChangeAspect="1" noMove="1" noResize="1" noEditPoints="1" noAdjustHandles="1" noChangeArrowheads="1" noChangeShapeType="1" noTextEdit="1"/>
+          </p:cNvSpPr>
+          <p:nvPr>
+            <p:extLst>
+              <p:ext uri="{386F3935-93C4-4BCD-93E2-E3B085C9AB24}">
+                <p16:designElem xmlns:p16="http://schemas.microsoft.com/office/powerpoint/2015/main" val="1"/>
+              </p:ext>
+            </p:extLst>
+          </p:nvPr>
+        </p:nvSpPr>
+        <p:spPr>
+          <a:xfrm flipH="1">
+            <a:off x="8576720" y="3335867"/>
+            <a:ext cx="3291840" cy="3200400"/>
+          </a:xfrm>
+          <a:prstGeom prst="rtTriangle">
+            <a:avLst/>
+          </a:prstGeom>
+          <a:solidFill>
+            <a:schemeClr val="accent4"/>
+          </a:solidFill>
+          <a:ln>
+            <a:noFill/>
+          </a:ln>
+        </p:spPr>
+        <p:style>
+          <a:lnRef idx="2">
+            <a:schemeClr val="accent1">
+              <a:shade val="50000"/>
+            </a:schemeClr>
+          </a:lnRef>
+          <a:fillRef idx="1">
+            <a:schemeClr val="accent1"/>
+          </a:fillRef>
+          <a:effectRef idx="0">
+            <a:schemeClr val="accent1"/>
+          </a:effectRef>
+          <a:fontRef idx="minor">
+            <a:schemeClr val="lt1"/>
+          </a:fontRef>
+        </p:style>
+        <p:txBody>
+          <a:bodyPr rtlCol="0" anchor="ctr"/>
+          <a:lstStyle/>
+          <a:p>
+            <a:pPr algn="ctr"/>
+            <a:endParaRPr lang="en-US" dirty="0"/>
+          </a:p>
+        </p:txBody>
+      </p:sp>
+      <p:sp>
+        <p:nvSpPr>
+          <p:cNvPr id="6" name="Rectangle 5">
+            <a:extLst>
+              <a:ext uri="{FF2B5EF4-FFF2-40B4-BE49-F238E27FC236}">
+                <a16:creationId xmlns:a16="http://schemas.microsoft.com/office/drawing/2014/main" id="{EE04B5EB-F158-4507-90DD-BD23620C7CC9}"/>
+              </a:ext>
+              <a:ext uri="{C183D7F6-B498-43B3-948B-1728B52AA6E4}">
+                <adec:decorative xmlns:adec="http://schemas.microsoft.com/office/drawing/2017/decorative" val="1"/>
+              </a:ext>
+            </a:extLst>
+          </p:cNvPr>
+          <p:cNvSpPr>
+            <a:spLocks noGrp="1" noRot="1" noChangeAspect="1" noMove="1" noResize="1" noEditPoints="1" noAdjustHandles="1" noChangeArrowheads="1" noChangeShapeType="1" noTextEdit="1"/>
+          </p:cNvSpPr>
+          <p:nvPr>
+            <p:extLst>
+              <p:ext uri="{386F3935-93C4-4BCD-93E2-E3B085C9AB24}">
+                <p16:designElem xmlns:p16="http://schemas.microsoft.com/office/powerpoint/2015/main" val="1"/>
+              </p:ext>
+            </p:extLst>
+          </p:nvPr>
+        </p:nvSpPr>
+        <p:spPr>
+          <a:xfrm>
+            <a:off x="641774" y="623275"/>
+            <a:ext cx="10905053" cy="5607882"/>
+          </a:xfrm>
+          <a:prstGeom prst="rect">
+            <a:avLst/>
+          </a:prstGeom>
+          <a:noFill/>
+          <a:ln w="19050">
+            <a:solidFill>
+              <a:schemeClr val="tx1">
+                <a:lumMod val="75000"/>
+                <a:lumOff val="25000"/>
+              </a:schemeClr>
+            </a:solidFill>
+          </a:ln>
+        </p:spPr>
+        <p:style>
+          <a:lnRef idx="2">
+            <a:schemeClr val="accent1">
+              <a:shade val="50000"/>
+            </a:schemeClr>
+          </a:lnRef>
+          <a:fillRef idx="1">
+            <a:schemeClr val="accent1"/>
+          </a:fillRef>
+          <a:effectRef idx="0">
+            <a:schemeClr val="accent1"/>
+          </a:effectRef>
+          <a:fontRef idx="minor">
+            <a:schemeClr val="lt1"/>
+          </a:fontRef>
+        </p:style>
+        <p:txBody>
+          <a:bodyPr rtlCol="0" anchor="ctr"/>
+          <a:lstStyle/>
+          <a:p>
+            <a:pPr algn="ctr"/>
+            <a:endParaRPr lang="en-US"/>
+          </a:p>
+        </p:txBody>
+      </p:sp>
+      <p:sp>
+        <p:nvSpPr>
+          <p:cNvPr id="3" name="ZoneTexte 2">
+            <a:extLst>
+              <a:ext uri="{FF2B5EF4-FFF2-40B4-BE49-F238E27FC236}">
+                <a16:creationId xmlns:a16="http://schemas.microsoft.com/office/drawing/2014/main" id="{19C52494-D0DA-4D3A-FC93-157E09908D08}"/>
+              </a:ext>
+            </a:extLst>
+          </p:cNvPr>
+          <p:cNvSpPr txBox="1"/>
+          <p:nvPr/>
+        </p:nvSpPr>
+        <p:spPr>
+          <a:xfrm>
+            <a:off x="1285241" y="1008993"/>
+            <a:ext cx="9231410" cy="3542045"/>
+          </a:xfrm>
+          <a:prstGeom prst="rect">
+            <a:avLst/>
+          </a:prstGeom>
+        </p:spPr>
+        <p:txBody>
+          <a:bodyPr vert="horz" lIns="91440" tIns="45720" rIns="91440" bIns="45720" rtlCol="0" anchor="b">
+            <a:normAutofit/>
+          </a:bodyPr>
+          <a:lstStyle/>
+          <a:p>
+            <a:pPr>
+              <a:lnSpc>
+                <a:spcPct val="90000"/>
+              </a:lnSpc>
+              <a:spcBef>
+                <a:spcPct val="0"/>
+              </a:spcBef>
+              <a:spcAft>
+                <a:spcPts val="600"/>
+              </a:spcAft>
+            </a:pPr>
+            <a:r>
+              <a:rPr lang="en-US" sz="11500" kern="1200" dirty="0">
+                <a:solidFill>
+                  <a:schemeClr val="tx1"/>
+                </a:solidFill>
+                <a:latin typeface="+mj-lt"/>
+                <a:ea typeface="+mj-ea"/>
+                <a:cs typeface="+mj-cs"/>
+              </a:rPr>
+              <a:t>PRÉSENTATION</a:t>
+            </a:r>
+          </a:p>
+          <a:p>
+            <a:pPr>
+              <a:lnSpc>
+                <a:spcPct val="90000"/>
+              </a:lnSpc>
+              <a:spcBef>
+                <a:spcPct val="0"/>
+              </a:spcBef>
+              <a:spcAft>
+                <a:spcPts val="600"/>
+              </a:spcAft>
+            </a:pPr>
+            <a:r>
+              <a:rPr lang="en-US" sz="11500" kern="1200" dirty="0">
+                <a:solidFill>
+                  <a:schemeClr val="tx1"/>
+                </a:solidFill>
+                <a:latin typeface="+mj-lt"/>
+                <a:ea typeface="+mj-ea"/>
+                <a:cs typeface="+mj-cs"/>
+              </a:rPr>
+              <a:t>FRONTEND</a:t>
+            </a:r>
+          </a:p>
+        </p:txBody>
+      </p:sp>
+    </p:spTree>
+    <p:extLst>
+      <p:ext uri="{BB962C8B-B14F-4D97-AF65-F5344CB8AC3E}">
+        <p14:creationId xmlns:p14="http://schemas.microsoft.com/office/powerpoint/2010/main" val="4117207123"/>
+      </p:ext>
+    </p:extLst>
+  </p:cSld>
+  <p:clrMapOvr>
+    <a:masterClrMapping/>
+  </p:clrMapOvr>
+</p:sld>
+</file>
+
+<file path=ppt/slides/slide19.xml><?xml version="1.0" encoding="utf-8"?>
 <p:sld xmlns:a="http://schemas.openxmlformats.org/drawingml/2006/main" xmlns:r="http://schemas.openxmlformats.org/officeDocument/2006/relationships" xmlns:p="http://schemas.openxmlformats.org/presentationml/2006/main">
   <p:cSld>
     <p:bg>
